--- a/FILES/literature-survey.pptx
+++ b/FILES/literature-survey.pptx
@@ -9,7 +9,14 @@
     <p:sldId id="257" r:id="rId3"/>
     <p:sldId id="269" r:id="rId4"/>
     <p:sldId id="270" r:id="rId5"/>
-    <p:sldId id="271" r:id="rId6"/>
+    <p:sldId id="273" r:id="rId6"/>
+    <p:sldId id="274" r:id="rId7"/>
+    <p:sldId id="275" r:id="rId8"/>
+    <p:sldId id="276" r:id="rId9"/>
+    <p:sldId id="277" r:id="rId10"/>
+    <p:sldId id="278" r:id="rId11"/>
+    <p:sldId id="279" r:id="rId12"/>
+    <p:sldId id="271" r:id="rId13"/>
   </p:sldIdLst>
   <p:sldSz cx="12192000" cy="6858000"/>
   <p:notesSz cx="6858000" cy="9144000"/>
@@ -119,10 +126,583 @@
 <file path=ppt/revisionInfo.xml><?xml version="1.0" encoding="utf-8"?>
 <p1510:revInfo xmlns:a="http://schemas.openxmlformats.org/drawingml/2006/main" xmlns:r="http://schemas.openxmlformats.org/officeDocument/2006/relationships" xmlns:p1510="http://schemas.microsoft.com/office/powerpoint/2015/10/main">
   <p1510:revLst>
-    <p1510:client id="{6BB8F4DC-A965-428B-8739-6EA46E7861A1}" v="846" dt="2025-03-12T05:16:07.320"/>
-    <p1510:client id="{D0E928D7-2B6C-4D09-8C66-D22986693F7F}" v="36" dt="2025-03-12T01:49:16.282"/>
+    <p1510:client id="{916F478F-089F-48EB-9695-5C1991CD97E9}" v="24" dt="2025-04-20T10:09:18.957"/>
   </p1510:revLst>
 </p1510:revInfo>
+</file>
+
+<file path=ppt/changesInfos/changesInfo1.xml><?xml version="1.0" encoding="utf-8"?>
+<pc:chgInfo xmlns:a="http://schemas.openxmlformats.org/drawingml/2006/main" xmlns:r="http://schemas.openxmlformats.org/officeDocument/2006/relationships" xmlns:ac="http://schemas.microsoft.com/office/drawing/2013/main/command" xmlns:pc="http://schemas.microsoft.com/office/powerpoint/2013/main/command">
+  <pc:docChgLst>
+    <pc:chgData name="sruthika katipalli" userId="40ee7db3f3b20d47" providerId="LiveId" clId="{916F478F-089F-48EB-9695-5C1991CD97E9}"/>
+    <pc:docChg chg="undo redo custSel addSld delSld modSld">
+      <pc:chgData name="sruthika katipalli" userId="40ee7db3f3b20d47" providerId="LiveId" clId="{916F478F-089F-48EB-9695-5C1991CD97E9}" dt="2025-04-20T10:09:34.265" v="936" actId="14100"/>
+      <pc:docMkLst>
+        <pc:docMk/>
+      </pc:docMkLst>
+      <pc:sldChg chg="new del">
+        <pc:chgData name="sruthika katipalli" userId="40ee7db3f3b20d47" providerId="LiveId" clId="{916F478F-089F-48EB-9695-5C1991CD97E9}" dt="2025-04-20T05:36:53.213" v="3" actId="2696"/>
+        <pc:sldMkLst>
+          <pc:docMk/>
+          <pc:sldMk cId="831704915" sldId="272"/>
+        </pc:sldMkLst>
+      </pc:sldChg>
+      <pc:sldChg chg="modSp new mod">
+        <pc:chgData name="sruthika katipalli" userId="40ee7db3f3b20d47" providerId="LiveId" clId="{916F478F-089F-48EB-9695-5C1991CD97E9}" dt="2025-04-20T05:37:59.798" v="25" actId="14100"/>
+        <pc:sldMkLst>
+          <pc:docMk/>
+          <pc:sldMk cId="110786674" sldId="273"/>
+        </pc:sldMkLst>
+        <pc:spChg chg="mod">
+          <ac:chgData name="sruthika katipalli" userId="40ee7db3f3b20d47" providerId="LiveId" clId="{916F478F-089F-48EB-9695-5C1991CD97E9}" dt="2025-04-20T05:37:59.798" v="25" actId="14100"/>
+          <ac:spMkLst>
+            <pc:docMk/>
+            <pc:sldMk cId="110786674" sldId="273"/>
+            <ac:spMk id="2" creationId="{0BC456DA-1C3D-D953-4FD5-B82D7F43FA63}"/>
+          </ac:spMkLst>
+        </pc:spChg>
+      </pc:sldChg>
+      <pc:sldChg chg="addSp delSp modSp new mod">
+        <pc:chgData name="sruthika katipalli" userId="40ee7db3f3b20d47" providerId="LiveId" clId="{916F478F-089F-48EB-9695-5C1991CD97E9}" dt="2025-04-20T06:22:31.228" v="550" actId="1076"/>
+        <pc:sldMkLst>
+          <pc:docMk/>
+          <pc:sldMk cId="2067916261" sldId="274"/>
+        </pc:sldMkLst>
+        <pc:spChg chg="mod">
+          <ac:chgData name="sruthika katipalli" userId="40ee7db3f3b20d47" providerId="LiveId" clId="{916F478F-089F-48EB-9695-5C1991CD97E9}" dt="2025-04-20T05:40:19.339" v="48" actId="20577"/>
+          <ac:spMkLst>
+            <pc:docMk/>
+            <pc:sldMk cId="2067916261" sldId="274"/>
+            <ac:spMk id="2" creationId="{C8A7655C-513F-196A-E6DC-A07411859AAA}"/>
+          </ac:spMkLst>
+        </pc:spChg>
+        <pc:spChg chg="add mod">
+          <ac:chgData name="sruthika katipalli" userId="40ee7db3f3b20d47" providerId="LiveId" clId="{916F478F-089F-48EB-9695-5C1991CD97E9}" dt="2025-04-20T05:51:31.805" v="179" actId="14100"/>
+          <ac:spMkLst>
+            <pc:docMk/>
+            <pc:sldMk cId="2067916261" sldId="274"/>
+            <ac:spMk id="5" creationId="{E723D808-9784-CE8E-774B-DA3124A45650}"/>
+          </ac:spMkLst>
+        </pc:spChg>
+        <pc:spChg chg="add del">
+          <ac:chgData name="sruthika katipalli" userId="40ee7db3f3b20d47" providerId="LiveId" clId="{916F478F-089F-48EB-9695-5C1991CD97E9}" dt="2025-04-20T05:47:54.668" v="102" actId="21"/>
+          <ac:spMkLst>
+            <pc:docMk/>
+            <pc:sldMk cId="2067916261" sldId="274"/>
+            <ac:spMk id="6" creationId="{F022A9A2-C60E-8877-629D-39A0C3664FC3}"/>
+          </ac:spMkLst>
+        </pc:spChg>
+        <pc:spChg chg="add del">
+          <ac:chgData name="sruthika katipalli" userId="40ee7db3f3b20d47" providerId="LiveId" clId="{916F478F-089F-48EB-9695-5C1991CD97E9}" dt="2025-04-20T05:48:15.539" v="104" actId="21"/>
+          <ac:spMkLst>
+            <pc:docMk/>
+            <pc:sldMk cId="2067916261" sldId="274"/>
+            <ac:spMk id="7" creationId="{13DFC3DB-24E2-3B5A-7756-DE7FC4A09DF9}"/>
+          </ac:spMkLst>
+        </pc:spChg>
+        <pc:spChg chg="add mod">
+          <ac:chgData name="sruthika katipalli" userId="40ee7db3f3b20d47" providerId="LiveId" clId="{916F478F-089F-48EB-9695-5C1991CD97E9}" dt="2025-04-20T05:49:44.943" v="149" actId="20577"/>
+          <ac:spMkLst>
+            <pc:docMk/>
+            <pc:sldMk cId="2067916261" sldId="274"/>
+            <ac:spMk id="8" creationId="{B13C9764-8664-4A8D-EAA6-B34C23E2E468}"/>
+          </ac:spMkLst>
+        </pc:spChg>
+        <pc:spChg chg="add mod">
+          <ac:chgData name="sruthika katipalli" userId="40ee7db3f3b20d47" providerId="LiveId" clId="{916F478F-089F-48EB-9695-5C1991CD97E9}" dt="2025-04-20T05:51:37.436" v="180" actId="1076"/>
+          <ac:spMkLst>
+            <pc:docMk/>
+            <pc:sldMk cId="2067916261" sldId="274"/>
+            <ac:spMk id="9" creationId="{179A8C26-576B-9775-F662-0B42D63532BA}"/>
+          </ac:spMkLst>
+        </pc:spChg>
+        <pc:spChg chg="add mod">
+          <ac:chgData name="sruthika katipalli" userId="40ee7db3f3b20d47" providerId="LiveId" clId="{916F478F-089F-48EB-9695-5C1991CD97E9}" dt="2025-04-20T05:54:25.052" v="243" actId="20577"/>
+          <ac:spMkLst>
+            <pc:docMk/>
+            <pc:sldMk cId="2067916261" sldId="274"/>
+            <ac:spMk id="10" creationId="{A1AB5E45-074B-5F0B-7FEE-E1178DEC4B2E}"/>
+          </ac:spMkLst>
+        </pc:spChg>
+        <pc:spChg chg="add mod">
+          <ac:chgData name="sruthika katipalli" userId="40ee7db3f3b20d47" providerId="LiveId" clId="{916F478F-089F-48EB-9695-5C1991CD97E9}" dt="2025-04-20T05:55:29.169" v="268" actId="14100"/>
+          <ac:spMkLst>
+            <pc:docMk/>
+            <pc:sldMk cId="2067916261" sldId="274"/>
+            <ac:spMk id="11" creationId="{3D43B074-34B3-BEFE-6AA0-DE0272C1DC23}"/>
+          </ac:spMkLst>
+        </pc:spChg>
+        <pc:spChg chg="add mod">
+          <ac:chgData name="sruthika katipalli" userId="40ee7db3f3b20d47" providerId="LiveId" clId="{916F478F-089F-48EB-9695-5C1991CD97E9}" dt="2025-04-20T05:56:32.178" v="299" actId="14100"/>
+          <ac:spMkLst>
+            <pc:docMk/>
+            <pc:sldMk cId="2067916261" sldId="274"/>
+            <ac:spMk id="12" creationId="{BEEEA9D5-D532-F5B8-8F7F-422BA735B6D1}"/>
+          </ac:spMkLst>
+        </pc:spChg>
+        <pc:spChg chg="add mod">
+          <ac:chgData name="sruthika katipalli" userId="40ee7db3f3b20d47" providerId="LiveId" clId="{916F478F-089F-48EB-9695-5C1991CD97E9}" dt="2025-04-20T06:03:12.872" v="342" actId="13822"/>
+          <ac:spMkLst>
+            <pc:docMk/>
+            <pc:sldMk cId="2067916261" sldId="274"/>
+            <ac:spMk id="13" creationId="{EAE39023-DF6B-00B7-C070-55812BB1BC31}"/>
+          </ac:spMkLst>
+        </pc:spChg>
+        <pc:spChg chg="add del mod">
+          <ac:chgData name="sruthika katipalli" userId="40ee7db3f3b20d47" providerId="LiveId" clId="{916F478F-089F-48EB-9695-5C1991CD97E9}" dt="2025-04-20T06:01:22.210" v="321" actId="478"/>
+          <ac:spMkLst>
+            <pc:docMk/>
+            <pc:sldMk cId="2067916261" sldId="274"/>
+            <ac:spMk id="25" creationId="{FC556C87-9153-201D-0FC9-EF2946491EB3}"/>
+          </ac:spMkLst>
+        </pc:spChg>
+        <pc:spChg chg="add mod">
+          <ac:chgData name="sruthika katipalli" userId="40ee7db3f3b20d47" providerId="LiveId" clId="{916F478F-089F-48EB-9695-5C1991CD97E9}" dt="2025-04-20T06:01:49.903" v="330" actId="14100"/>
+          <ac:spMkLst>
+            <pc:docMk/>
+            <pc:sldMk cId="2067916261" sldId="274"/>
+            <ac:spMk id="26" creationId="{EC41FCD0-46B9-8669-6E15-42ECDC51653C}"/>
+          </ac:spMkLst>
+        </pc:spChg>
+        <pc:picChg chg="add del mod">
+          <ac:chgData name="sruthika katipalli" userId="40ee7db3f3b20d47" providerId="LiveId" clId="{916F478F-089F-48EB-9695-5C1991CD97E9}" dt="2025-04-20T05:45:50.107" v="73" actId="21"/>
+          <ac:picMkLst>
+            <pc:docMk/>
+            <pc:sldMk cId="2067916261" sldId="274"/>
+            <ac:picMk id="4" creationId="{5FFE07ED-E90A-BD18-0277-0670EDC4348F}"/>
+          </ac:picMkLst>
+        </pc:picChg>
+        <pc:cxnChg chg="add mod">
+          <ac:chgData name="sruthika katipalli" userId="40ee7db3f3b20d47" providerId="LiveId" clId="{916F478F-089F-48EB-9695-5C1991CD97E9}" dt="2025-04-20T06:03:03.201" v="340" actId="13822"/>
+          <ac:cxnSpMkLst>
+            <pc:docMk/>
+            <pc:sldMk cId="2067916261" sldId="274"/>
+            <ac:cxnSpMk id="15" creationId="{14E0C42B-F9C1-62E1-5D2A-CC41F8D3572A}"/>
+          </ac:cxnSpMkLst>
+        </pc:cxnChg>
+        <pc:cxnChg chg="add mod">
+          <ac:chgData name="sruthika katipalli" userId="40ee7db3f3b20d47" providerId="LiveId" clId="{916F478F-089F-48EB-9695-5C1991CD97E9}" dt="2025-04-20T06:02:59.051" v="339" actId="13822"/>
+          <ac:cxnSpMkLst>
+            <pc:docMk/>
+            <pc:sldMk cId="2067916261" sldId="274"/>
+            <ac:cxnSpMk id="18" creationId="{C282C345-E2AA-1D9D-1CC3-57E67CC6713B}"/>
+          </ac:cxnSpMkLst>
+        </pc:cxnChg>
+        <pc:cxnChg chg="add mod">
+          <ac:chgData name="sruthika katipalli" userId="40ee7db3f3b20d47" providerId="LiveId" clId="{916F478F-089F-48EB-9695-5C1991CD97E9}" dt="2025-04-20T06:02:54.884" v="338" actId="13822"/>
+          <ac:cxnSpMkLst>
+            <pc:docMk/>
+            <pc:sldMk cId="2067916261" sldId="274"/>
+            <ac:cxnSpMk id="20" creationId="{BE699155-8AEA-808A-D550-8C0276D94BF6}"/>
+          </ac:cxnSpMkLst>
+        </pc:cxnChg>
+        <pc:cxnChg chg="add mod">
+          <ac:chgData name="sruthika katipalli" userId="40ee7db3f3b20d47" providerId="LiveId" clId="{916F478F-089F-48EB-9695-5C1991CD97E9}" dt="2025-04-20T06:02:50.918" v="337" actId="13822"/>
+          <ac:cxnSpMkLst>
+            <pc:docMk/>
+            <pc:sldMk cId="2067916261" sldId="274"/>
+            <ac:cxnSpMk id="22" creationId="{D96C8BEF-20F2-0A8E-CCF2-686BA95F8F91}"/>
+          </ac:cxnSpMkLst>
+        </pc:cxnChg>
+        <pc:cxnChg chg="add mod">
+          <ac:chgData name="sruthika katipalli" userId="40ee7db3f3b20d47" providerId="LiveId" clId="{916F478F-089F-48EB-9695-5C1991CD97E9}" dt="2025-04-20T06:02:46.650" v="336" actId="13822"/>
+          <ac:cxnSpMkLst>
+            <pc:docMk/>
+            <pc:sldMk cId="2067916261" sldId="274"/>
+            <ac:cxnSpMk id="28" creationId="{D67F202C-AB1B-FAFC-5E71-BEE2F576E534}"/>
+          </ac:cxnSpMkLst>
+        </pc:cxnChg>
+        <pc:cxnChg chg="add mod">
+          <ac:chgData name="sruthika katipalli" userId="40ee7db3f3b20d47" providerId="LiveId" clId="{916F478F-089F-48EB-9695-5C1991CD97E9}" dt="2025-04-20T06:02:40.586" v="335" actId="13822"/>
+          <ac:cxnSpMkLst>
+            <pc:docMk/>
+            <pc:sldMk cId="2067916261" sldId="274"/>
+            <ac:cxnSpMk id="31" creationId="{63A7FE14-34FC-8794-9670-66D5C863986D}"/>
+          </ac:cxnSpMkLst>
+        </pc:cxnChg>
+        <pc:cxnChg chg="add mod">
+          <ac:chgData name="sruthika katipalli" userId="40ee7db3f3b20d47" providerId="LiveId" clId="{916F478F-089F-48EB-9695-5C1991CD97E9}" dt="2025-04-20T06:03:45.384" v="345" actId="13822"/>
+          <ac:cxnSpMkLst>
+            <pc:docMk/>
+            <pc:sldMk cId="2067916261" sldId="274"/>
+            <ac:cxnSpMk id="34" creationId="{4B0CE014-C0C0-4757-4258-A1A21FE6006D}"/>
+          </ac:cxnSpMkLst>
+        </pc:cxnChg>
+        <pc:cxnChg chg="add mod">
+          <ac:chgData name="sruthika katipalli" userId="40ee7db3f3b20d47" providerId="LiveId" clId="{916F478F-089F-48EB-9695-5C1991CD97E9}" dt="2025-04-20T06:03:58.271" v="348" actId="13822"/>
+          <ac:cxnSpMkLst>
+            <pc:docMk/>
+            <pc:sldMk cId="2067916261" sldId="274"/>
+            <ac:cxnSpMk id="37" creationId="{50CA53F6-83EC-76CD-2955-C0595FDAE11E}"/>
+          </ac:cxnSpMkLst>
+        </pc:cxnChg>
+        <pc:cxnChg chg="add mod">
+          <ac:chgData name="sruthika katipalli" userId="40ee7db3f3b20d47" providerId="LiveId" clId="{916F478F-089F-48EB-9695-5C1991CD97E9}" dt="2025-04-20T06:22:31.228" v="550" actId="1076"/>
+          <ac:cxnSpMkLst>
+            <pc:docMk/>
+            <pc:sldMk cId="2067916261" sldId="274"/>
+            <ac:cxnSpMk id="40" creationId="{C82524A1-0E85-7CBD-26C8-4D8C13E449A5}"/>
+          </ac:cxnSpMkLst>
+        </pc:cxnChg>
+      </pc:sldChg>
+      <pc:sldChg chg="addSp delSp modSp new mod">
+        <pc:chgData name="sruthika katipalli" userId="40ee7db3f3b20d47" providerId="LiveId" clId="{916F478F-089F-48EB-9695-5C1991CD97E9}" dt="2025-04-20T06:52:53.904" v="809" actId="21"/>
+        <pc:sldMkLst>
+          <pc:docMk/>
+          <pc:sldMk cId="3347833306" sldId="275"/>
+        </pc:sldMkLst>
+        <pc:spChg chg="mod">
+          <ac:chgData name="sruthika katipalli" userId="40ee7db3f3b20d47" providerId="LiveId" clId="{916F478F-089F-48EB-9695-5C1991CD97E9}" dt="2025-04-20T05:44:35.968" v="72" actId="20577"/>
+          <ac:spMkLst>
+            <pc:docMk/>
+            <pc:sldMk cId="3347833306" sldId="275"/>
+            <ac:spMk id="2" creationId="{CBC148E4-14D1-9405-65D2-10E9DFAEB6FA}"/>
+          </ac:spMkLst>
+        </pc:spChg>
+        <pc:spChg chg="add del mod">
+          <ac:chgData name="sruthika katipalli" userId="40ee7db3f3b20d47" providerId="LiveId" clId="{916F478F-089F-48EB-9695-5C1991CD97E9}" dt="2025-04-20T06:10:06.367" v="369" actId="478"/>
+          <ac:spMkLst>
+            <pc:docMk/>
+            <pc:sldMk cId="3347833306" sldId="275"/>
+            <ac:spMk id="5" creationId="{A2EFF7BB-6B0C-F060-D584-B827364E9439}"/>
+          </ac:spMkLst>
+        </pc:spChg>
+        <pc:spChg chg="add mod">
+          <ac:chgData name="sruthika katipalli" userId="40ee7db3f3b20d47" providerId="LiveId" clId="{916F478F-089F-48EB-9695-5C1991CD97E9}" dt="2025-04-20T06:41:28.066" v="559" actId="1076"/>
+          <ac:spMkLst>
+            <pc:docMk/>
+            <pc:sldMk cId="3347833306" sldId="275"/>
+            <ac:spMk id="6" creationId="{A6261F31-C7A1-4E78-80D7-C2865B6924AD}"/>
+          </ac:spMkLst>
+        </pc:spChg>
+        <pc:spChg chg="add mod">
+          <ac:chgData name="sruthika katipalli" userId="40ee7db3f3b20d47" providerId="LiveId" clId="{916F478F-089F-48EB-9695-5C1991CD97E9}" dt="2025-04-20T06:16:57.909" v="466" actId="1076"/>
+          <ac:spMkLst>
+            <pc:docMk/>
+            <pc:sldMk cId="3347833306" sldId="275"/>
+            <ac:spMk id="7" creationId="{215C2DF6-2639-B299-44D5-A2768EFF95B3}"/>
+          </ac:spMkLst>
+        </pc:spChg>
+        <pc:spChg chg="add mod">
+          <ac:chgData name="sruthika katipalli" userId="40ee7db3f3b20d47" providerId="LiveId" clId="{916F478F-089F-48EB-9695-5C1991CD97E9}" dt="2025-04-20T06:17:08.435" v="468" actId="1076"/>
+          <ac:spMkLst>
+            <pc:docMk/>
+            <pc:sldMk cId="3347833306" sldId="275"/>
+            <ac:spMk id="8" creationId="{97AB9D61-004F-CAED-589E-930CB9251512}"/>
+          </ac:spMkLst>
+        </pc:spChg>
+        <pc:spChg chg="add mod">
+          <ac:chgData name="sruthika katipalli" userId="40ee7db3f3b20d47" providerId="LiveId" clId="{916F478F-089F-48EB-9695-5C1991CD97E9}" dt="2025-04-20T06:17:17.624" v="469" actId="1076"/>
+          <ac:spMkLst>
+            <pc:docMk/>
+            <pc:sldMk cId="3347833306" sldId="275"/>
+            <ac:spMk id="9" creationId="{488C9EE3-9E48-7DD0-96FD-91CF1621DDD7}"/>
+          </ac:spMkLst>
+        </pc:spChg>
+        <pc:spChg chg="add mod">
+          <ac:chgData name="sruthika katipalli" userId="40ee7db3f3b20d47" providerId="LiveId" clId="{916F478F-089F-48EB-9695-5C1991CD97E9}" dt="2025-04-20T06:13:36.543" v="444"/>
+          <ac:spMkLst>
+            <pc:docMk/>
+            <pc:sldMk cId="3347833306" sldId="275"/>
+            <ac:spMk id="10" creationId="{B458127C-3AE4-DA4A-E9CD-024FC3A111D4}"/>
+          </ac:spMkLst>
+        </pc:spChg>
+        <pc:spChg chg="add del mod">
+          <ac:chgData name="sruthika katipalli" userId="40ee7db3f3b20d47" providerId="LiveId" clId="{916F478F-089F-48EB-9695-5C1991CD97E9}" dt="2025-04-20T06:13:48.884" v="447" actId="478"/>
+          <ac:spMkLst>
+            <pc:docMk/>
+            <pc:sldMk cId="3347833306" sldId="275"/>
+            <ac:spMk id="11" creationId="{ED7ED1A8-0303-3B7E-10FE-028C2C90A3C5}"/>
+          </ac:spMkLst>
+        </pc:spChg>
+        <pc:spChg chg="add mod">
+          <ac:chgData name="sruthika katipalli" userId="40ee7db3f3b20d47" providerId="LiveId" clId="{916F478F-089F-48EB-9695-5C1991CD97E9}" dt="2025-04-20T06:42:11.957" v="563" actId="1076"/>
+          <ac:spMkLst>
+            <pc:docMk/>
+            <pc:sldMk cId="3347833306" sldId="275"/>
+            <ac:spMk id="12" creationId="{04C1FA3F-9A73-9C5A-3892-141A6BCFFF3E}"/>
+          </ac:spMkLst>
+        </pc:spChg>
+        <pc:spChg chg="add mod">
+          <ac:chgData name="sruthika katipalli" userId="40ee7db3f3b20d47" providerId="LiveId" clId="{916F478F-089F-48EB-9695-5C1991CD97E9}" dt="2025-04-20T06:42:19.898" v="564" actId="1076"/>
+          <ac:spMkLst>
+            <pc:docMk/>
+            <pc:sldMk cId="3347833306" sldId="275"/>
+            <ac:spMk id="13" creationId="{6132BB0B-CB70-0811-82D2-440D709C6A72}"/>
+          </ac:spMkLst>
+        </pc:spChg>
+        <pc:spChg chg="add mod">
+          <ac:chgData name="sruthika katipalli" userId="40ee7db3f3b20d47" providerId="LiveId" clId="{916F478F-089F-48EB-9695-5C1991CD97E9}" dt="2025-04-20T06:42:26.217" v="565" actId="1076"/>
+          <ac:spMkLst>
+            <pc:docMk/>
+            <pc:sldMk cId="3347833306" sldId="275"/>
+            <ac:spMk id="14" creationId="{A043528B-181D-9117-0308-7F765B80F323}"/>
+          </ac:spMkLst>
+        </pc:spChg>
+        <pc:spChg chg="add del mod">
+          <ac:chgData name="sruthika katipalli" userId="40ee7db3f3b20d47" providerId="LiveId" clId="{916F478F-089F-48EB-9695-5C1991CD97E9}" dt="2025-04-20T06:43:29.062" v="571"/>
+          <ac:spMkLst>
+            <pc:docMk/>
+            <pc:sldMk cId="3347833306" sldId="275"/>
+            <ac:spMk id="39" creationId="{BFE2D5F2-0B72-82D6-534C-029863F1C9E5}"/>
+          </ac:spMkLst>
+        </pc:spChg>
+        <pc:spChg chg="add mod">
+          <ac:chgData name="sruthika katipalli" userId="40ee7db3f3b20d47" providerId="LiveId" clId="{916F478F-089F-48EB-9695-5C1991CD97E9}" dt="2025-04-20T06:46:05.299" v="606" actId="14100"/>
+          <ac:spMkLst>
+            <pc:docMk/>
+            <pc:sldMk cId="3347833306" sldId="275"/>
+            <ac:spMk id="49" creationId="{3E2721CB-A404-94AA-5157-153762194B77}"/>
+          </ac:spMkLst>
+        </pc:spChg>
+        <pc:spChg chg="add mod">
+          <ac:chgData name="sruthika katipalli" userId="40ee7db3f3b20d47" providerId="LiveId" clId="{916F478F-089F-48EB-9695-5C1991CD97E9}" dt="2025-04-20T06:47:18.613" v="658" actId="20577"/>
+          <ac:spMkLst>
+            <pc:docMk/>
+            <pc:sldMk cId="3347833306" sldId="275"/>
+            <ac:spMk id="50" creationId="{5E2985C4-A546-BF43-BACD-90926C315413}"/>
+          </ac:spMkLst>
+        </pc:spChg>
+        <pc:spChg chg="add mod">
+          <ac:chgData name="sruthika katipalli" userId="40ee7db3f3b20d47" providerId="LiveId" clId="{916F478F-089F-48EB-9695-5C1991CD97E9}" dt="2025-04-20T06:48:16.187" v="709" actId="20577"/>
+          <ac:spMkLst>
+            <pc:docMk/>
+            <pc:sldMk cId="3347833306" sldId="275"/>
+            <ac:spMk id="51" creationId="{C7812AC7-6B71-2FC4-D408-FF0293A0F6E8}"/>
+          </ac:spMkLst>
+        </pc:spChg>
+        <pc:spChg chg="add mod">
+          <ac:chgData name="sruthika katipalli" userId="40ee7db3f3b20d47" providerId="LiveId" clId="{916F478F-089F-48EB-9695-5C1991CD97E9}" dt="2025-04-20T06:52:45.442" v="808" actId="1076"/>
+          <ac:spMkLst>
+            <pc:docMk/>
+            <pc:sldMk cId="3347833306" sldId="275"/>
+            <ac:spMk id="52" creationId="{823E7345-FB29-317A-9E39-A77E0F9E90F7}"/>
+          </ac:spMkLst>
+        </pc:spChg>
+        <pc:spChg chg="add mod">
+          <ac:chgData name="sruthika katipalli" userId="40ee7db3f3b20d47" providerId="LiveId" clId="{916F478F-089F-48EB-9695-5C1991CD97E9}" dt="2025-04-20T06:52:31.986" v="806" actId="1076"/>
+          <ac:spMkLst>
+            <pc:docMk/>
+            <pc:sldMk cId="3347833306" sldId="275"/>
+            <ac:spMk id="53" creationId="{2F269C5A-4934-33B6-D875-24D97260E8F4}"/>
+          </ac:spMkLst>
+        </pc:spChg>
+        <pc:spChg chg="add mod">
+          <ac:chgData name="sruthika katipalli" userId="40ee7db3f3b20d47" providerId="LiveId" clId="{916F478F-089F-48EB-9695-5C1991CD97E9}" dt="2025-04-20T06:51:15.848" v="779" actId="20577"/>
+          <ac:spMkLst>
+            <pc:docMk/>
+            <pc:sldMk cId="3347833306" sldId="275"/>
+            <ac:spMk id="54" creationId="{9A6CBF14-C1A8-35C3-CAD9-2C4D31D6B44A}"/>
+          </ac:spMkLst>
+        </pc:spChg>
+        <pc:spChg chg="add mod">
+          <ac:chgData name="sruthika katipalli" userId="40ee7db3f3b20d47" providerId="LiveId" clId="{916F478F-089F-48EB-9695-5C1991CD97E9}" dt="2025-04-20T06:52:37.958" v="807" actId="1076"/>
+          <ac:spMkLst>
+            <pc:docMk/>
+            <pc:sldMk cId="3347833306" sldId="275"/>
+            <ac:spMk id="55" creationId="{D0067A3B-A1A4-BD76-A253-5FA98BDB99F5}"/>
+          </ac:spMkLst>
+        </pc:spChg>
+        <pc:picChg chg="add del mod">
+          <ac:chgData name="sruthika katipalli" userId="40ee7db3f3b20d47" providerId="LiveId" clId="{916F478F-089F-48EB-9695-5C1991CD97E9}" dt="2025-04-20T06:52:53.904" v="809" actId="21"/>
+          <ac:picMkLst>
+            <pc:docMk/>
+            <pc:sldMk cId="3347833306" sldId="275"/>
+            <ac:picMk id="4" creationId="{3E2CB8A6-3FAD-AD46-E5B8-A9BCF66E1834}"/>
+          </ac:picMkLst>
+        </pc:picChg>
+        <pc:cxnChg chg="add mod">
+          <ac:chgData name="sruthika katipalli" userId="40ee7db3f3b20d47" providerId="LiveId" clId="{916F478F-089F-48EB-9695-5C1991CD97E9}" dt="2025-04-20T06:41:35.465" v="560" actId="14100"/>
+          <ac:cxnSpMkLst>
+            <pc:docMk/>
+            <pc:sldMk cId="3347833306" sldId="275"/>
+            <ac:cxnSpMk id="16" creationId="{B025A65D-45CD-E301-70FF-C0F26ACBA6CC}"/>
+          </ac:cxnSpMkLst>
+        </pc:cxnChg>
+        <pc:cxnChg chg="add mod">
+          <ac:chgData name="sruthika katipalli" userId="40ee7db3f3b20d47" providerId="LiveId" clId="{916F478F-089F-48EB-9695-5C1991CD97E9}" dt="2025-04-20T06:42:35.545" v="566" actId="14100"/>
+          <ac:cxnSpMkLst>
+            <pc:docMk/>
+            <pc:sldMk cId="3347833306" sldId="275"/>
+            <ac:cxnSpMk id="17" creationId="{9329A665-6BB6-C482-D33F-62C6BE1E3B1E}"/>
+          </ac:cxnSpMkLst>
+        </pc:cxnChg>
+        <pc:cxnChg chg="add mod">
+          <ac:chgData name="sruthika katipalli" userId="40ee7db3f3b20d47" providerId="LiveId" clId="{916F478F-089F-48EB-9695-5C1991CD97E9}" dt="2025-04-20T06:42:43.814" v="567" actId="14100"/>
+          <ac:cxnSpMkLst>
+            <pc:docMk/>
+            <pc:sldMk cId="3347833306" sldId="275"/>
+            <ac:cxnSpMk id="18" creationId="{D508CD0D-2467-AA33-2F6D-57BC34079A13}"/>
+          </ac:cxnSpMkLst>
+        </pc:cxnChg>
+        <pc:cxnChg chg="add mod">
+          <ac:chgData name="sruthika katipalli" userId="40ee7db3f3b20d47" providerId="LiveId" clId="{916F478F-089F-48EB-9695-5C1991CD97E9}" dt="2025-04-20T06:42:51.417" v="568" actId="14100"/>
+          <ac:cxnSpMkLst>
+            <pc:docMk/>
+            <pc:sldMk cId="3347833306" sldId="275"/>
+            <ac:cxnSpMk id="19" creationId="{6D14AAD8-27DF-4C0E-E7A8-441232D2FB7C}"/>
+          </ac:cxnSpMkLst>
+        </pc:cxnChg>
+        <pc:cxnChg chg="add mod">
+          <ac:chgData name="sruthika katipalli" userId="40ee7db3f3b20d47" providerId="LiveId" clId="{916F478F-089F-48EB-9695-5C1991CD97E9}" dt="2025-04-20T06:19:20.137" v="482" actId="13822"/>
+          <ac:cxnSpMkLst>
+            <pc:docMk/>
+            <pc:sldMk cId="3347833306" sldId="275"/>
+            <ac:cxnSpMk id="21" creationId="{BC21993D-0A05-CEAA-88CC-307BB93BE8C6}"/>
+          </ac:cxnSpMkLst>
+        </pc:cxnChg>
+        <pc:cxnChg chg="add mod">
+          <ac:chgData name="sruthika katipalli" userId="40ee7db3f3b20d47" providerId="LiveId" clId="{916F478F-089F-48EB-9695-5C1991CD97E9}" dt="2025-04-20T06:19:16.609" v="481" actId="13822"/>
+          <ac:cxnSpMkLst>
+            <pc:docMk/>
+            <pc:sldMk cId="3347833306" sldId="275"/>
+            <ac:cxnSpMk id="23" creationId="{6DBB2500-C398-9703-CFB6-BE4D3DFE4759}"/>
+          </ac:cxnSpMkLst>
+        </pc:cxnChg>
+        <pc:cxnChg chg="add mod">
+          <ac:chgData name="sruthika katipalli" userId="40ee7db3f3b20d47" providerId="LiveId" clId="{916F478F-089F-48EB-9695-5C1991CD97E9}" dt="2025-04-20T06:19:12.772" v="480" actId="13822"/>
+          <ac:cxnSpMkLst>
+            <pc:docMk/>
+            <pc:sldMk cId="3347833306" sldId="275"/>
+            <ac:cxnSpMk id="25" creationId="{0D926A74-4EE1-76EE-F6CA-9A999339128B}"/>
+          </ac:cxnSpMkLst>
+        </pc:cxnChg>
+        <pc:cxnChg chg="add mod">
+          <ac:chgData name="sruthika katipalli" userId="40ee7db3f3b20d47" providerId="LiveId" clId="{916F478F-089F-48EB-9695-5C1991CD97E9}" dt="2025-04-20T06:44:39.411" v="580" actId="13822"/>
+          <ac:cxnSpMkLst>
+            <pc:docMk/>
+            <pc:sldMk cId="3347833306" sldId="275"/>
+            <ac:cxnSpMk id="27" creationId="{844479AA-150C-B3CD-E0BD-EF6EF0FD616A}"/>
+          </ac:cxnSpMkLst>
+        </pc:cxnChg>
+        <pc:cxnChg chg="add mod">
+          <ac:chgData name="sruthika katipalli" userId="40ee7db3f3b20d47" providerId="LiveId" clId="{916F478F-089F-48EB-9695-5C1991CD97E9}" dt="2025-04-20T06:44:35.642" v="579" actId="13822"/>
+          <ac:cxnSpMkLst>
+            <pc:docMk/>
+            <pc:sldMk cId="3347833306" sldId="275"/>
+            <ac:cxnSpMk id="31" creationId="{3480D5E3-D7AA-0900-55C7-0FEF6E52AB3A}"/>
+          </ac:cxnSpMkLst>
+        </pc:cxnChg>
+        <pc:cxnChg chg="add del mod">
+          <ac:chgData name="sruthika katipalli" userId="40ee7db3f3b20d47" providerId="LiveId" clId="{916F478F-089F-48EB-9695-5C1991CD97E9}" dt="2025-04-20T06:27:49.030" v="558" actId="21"/>
+          <ac:cxnSpMkLst>
+            <pc:docMk/>
+            <pc:sldMk cId="3347833306" sldId="275"/>
+            <ac:cxnSpMk id="34" creationId="{886ACBEF-1CDA-1DDF-D271-3E4FB507EBEB}"/>
+          </ac:cxnSpMkLst>
+        </pc:cxnChg>
+        <pc:cxnChg chg="add mod">
+          <ac:chgData name="sruthika katipalli" userId="40ee7db3f3b20d47" providerId="LiveId" clId="{916F478F-089F-48EB-9695-5C1991CD97E9}" dt="2025-04-20T06:44:31.527" v="578" actId="13822"/>
+          <ac:cxnSpMkLst>
+            <pc:docMk/>
+            <pc:sldMk cId="3347833306" sldId="275"/>
+            <ac:cxnSpMk id="41" creationId="{6AE5C38D-C399-55B0-6374-2AC7A8B8DFD4}"/>
+          </ac:cxnSpMkLst>
+        </pc:cxnChg>
+        <pc:cxnChg chg="add del mod">
+          <ac:chgData name="sruthika katipalli" userId="40ee7db3f3b20d47" providerId="LiveId" clId="{916F478F-089F-48EB-9695-5C1991CD97E9}" dt="2025-04-20T06:44:53.536" v="581" actId="21"/>
+          <ac:cxnSpMkLst>
+            <pc:docMk/>
+            <pc:sldMk cId="3347833306" sldId="275"/>
+            <ac:cxnSpMk id="44" creationId="{BF15ECD8-C76D-2B87-CB7B-D7644B2FA99E}"/>
+          </ac:cxnSpMkLst>
+        </pc:cxnChg>
+        <pc:cxnChg chg="add mod">
+          <ac:chgData name="sruthika katipalli" userId="40ee7db3f3b20d47" providerId="LiveId" clId="{916F478F-089F-48EB-9695-5C1991CD97E9}" dt="2025-04-20T06:45:07.992" v="584" actId="13822"/>
+          <ac:cxnSpMkLst>
+            <pc:docMk/>
+            <pc:sldMk cId="3347833306" sldId="275"/>
+            <ac:cxnSpMk id="47" creationId="{52E8AD3F-23B4-5D72-5B6A-367CDAD1013C}"/>
+          </ac:cxnSpMkLst>
+        </pc:cxnChg>
+      </pc:sldChg>
+      <pc:sldChg chg="addSp modSp new mod">
+        <pc:chgData name="sruthika katipalli" userId="40ee7db3f3b20d47" providerId="LiveId" clId="{916F478F-089F-48EB-9695-5C1991CD97E9}" dt="2025-04-20T10:09:34.265" v="936" actId="14100"/>
+        <pc:sldMkLst>
+          <pc:docMk/>
+          <pc:sldMk cId="4154467401" sldId="276"/>
+        </pc:sldMkLst>
+        <pc:spChg chg="mod">
+          <ac:chgData name="sruthika katipalli" userId="40ee7db3f3b20d47" providerId="LiveId" clId="{916F478F-089F-48EB-9695-5C1991CD97E9}" dt="2025-04-20T06:56:40.844" v="832" actId="20577"/>
+          <ac:spMkLst>
+            <pc:docMk/>
+            <pc:sldMk cId="4154467401" sldId="276"/>
+            <ac:spMk id="2" creationId="{521A5EB2-FF21-33CC-78BB-66F2AF0EDA0D}"/>
+          </ac:spMkLst>
+        </pc:spChg>
+        <pc:picChg chg="add mod">
+          <ac:chgData name="sruthika katipalli" userId="40ee7db3f3b20d47" providerId="LiveId" clId="{916F478F-089F-48EB-9695-5C1991CD97E9}" dt="2025-04-20T10:09:34.265" v="936" actId="14100"/>
+          <ac:picMkLst>
+            <pc:docMk/>
+            <pc:sldMk cId="4154467401" sldId="276"/>
+            <ac:picMk id="4" creationId="{E6DDD82D-3A6B-AC6E-4EF4-9AAABFDFB432}"/>
+          </ac:picMkLst>
+        </pc:picChg>
+      </pc:sldChg>
+      <pc:sldChg chg="modSp new mod">
+        <pc:chgData name="sruthika katipalli" userId="40ee7db3f3b20d47" providerId="LiveId" clId="{916F478F-089F-48EB-9695-5C1991CD97E9}" dt="2025-04-20T06:57:34.925" v="857" actId="27636"/>
+        <pc:sldMkLst>
+          <pc:docMk/>
+          <pc:sldMk cId="3353824283" sldId="277"/>
+        </pc:sldMkLst>
+        <pc:spChg chg="mod">
+          <ac:chgData name="sruthika katipalli" userId="40ee7db3f3b20d47" providerId="LiveId" clId="{916F478F-089F-48EB-9695-5C1991CD97E9}" dt="2025-04-20T06:57:34.925" v="857" actId="27636"/>
+          <ac:spMkLst>
+            <pc:docMk/>
+            <pc:sldMk cId="3353824283" sldId="277"/>
+            <ac:spMk id="2" creationId="{D49EADBB-AFE4-1988-0E80-B3E24C0166FD}"/>
+          </ac:spMkLst>
+        </pc:spChg>
+      </pc:sldChg>
+      <pc:sldChg chg="addSp delSp modSp new mod">
+        <pc:chgData name="sruthika katipalli" userId="40ee7db3f3b20d47" providerId="LiveId" clId="{916F478F-089F-48EB-9695-5C1991CD97E9}" dt="2025-04-20T08:51:51.138" v="933" actId="14100"/>
+        <pc:sldMkLst>
+          <pc:docMk/>
+          <pc:sldMk cId="2420393502" sldId="278"/>
+        </pc:sldMkLst>
+        <pc:spChg chg="mod">
+          <ac:chgData name="sruthika katipalli" userId="40ee7db3f3b20d47" providerId="LiveId" clId="{916F478F-089F-48EB-9695-5C1991CD97E9}" dt="2025-04-20T06:58:24.465" v="883" actId="27636"/>
+          <ac:spMkLst>
+            <pc:docMk/>
+            <pc:sldMk cId="2420393502" sldId="278"/>
+            <ac:spMk id="2" creationId="{C2154D2C-7EC1-7AA9-6E12-0BC1303DF4CE}"/>
+          </ac:spMkLst>
+        </pc:spChg>
+        <pc:picChg chg="add del mod">
+          <ac:chgData name="sruthika katipalli" userId="40ee7db3f3b20d47" providerId="LiveId" clId="{916F478F-089F-48EB-9695-5C1991CD97E9}" dt="2025-04-20T08:50:26.026" v="926" actId="21"/>
+          <ac:picMkLst>
+            <pc:docMk/>
+            <pc:sldMk cId="2420393502" sldId="278"/>
+            <ac:picMk id="4" creationId="{A8DEE681-731C-309F-83FC-0BE671D1168C}"/>
+          </ac:picMkLst>
+        </pc:picChg>
+        <pc:picChg chg="add mod">
+          <ac:chgData name="sruthika katipalli" userId="40ee7db3f3b20d47" providerId="LiveId" clId="{916F478F-089F-48EB-9695-5C1991CD97E9}" dt="2025-04-20T08:51:51.138" v="933" actId="14100"/>
+          <ac:picMkLst>
+            <pc:docMk/>
+            <pc:sldMk cId="2420393502" sldId="278"/>
+            <ac:picMk id="6" creationId="{96524272-2CD6-E7D0-8F8C-C07C621FF956}"/>
+          </ac:picMkLst>
+        </pc:picChg>
+      </pc:sldChg>
+      <pc:sldChg chg="modSp new mod">
+        <pc:chgData name="sruthika katipalli" userId="40ee7db3f3b20d47" providerId="LiveId" clId="{916F478F-089F-48EB-9695-5C1991CD97E9}" dt="2025-04-20T06:59:39.307" v="924" actId="20577"/>
+        <pc:sldMkLst>
+          <pc:docMk/>
+          <pc:sldMk cId="3045030459" sldId="279"/>
+        </pc:sldMkLst>
+        <pc:spChg chg="mod">
+          <ac:chgData name="sruthika katipalli" userId="40ee7db3f3b20d47" providerId="LiveId" clId="{916F478F-089F-48EB-9695-5C1991CD97E9}" dt="2025-04-20T06:59:39.307" v="924" actId="20577"/>
+          <ac:spMkLst>
+            <pc:docMk/>
+            <pc:sldMk cId="3045030459" sldId="279"/>
+            <ac:spMk id="2" creationId="{3137AEA6-2BA2-4CE3-619C-AEFD13CC1D5D}"/>
+          </ac:spMkLst>
+        </pc:spChg>
+      </pc:sldChg>
+    </pc:docChg>
+  </pc:docChgLst>
+</pc:chgInfo>
 </file>
 
 <file path=ppt/slideLayouts/slideLayout1.xml><?xml version="1.0" encoding="utf-8"?>
@@ -254,7 +834,7 @@
           <a:p>
             <a:fld id="{B7505682-797F-44FC-A382-8B6C2659ED26}" type="datetimeFigureOut">
               <a:rPr lang="en-US" smtClean="0"/>
-              <a:t>3/12/2025</a:t>
+              <a:t>4/20/2025</a:t>
             </a:fld>
             <a:endParaRPr lang="en-US"/>
           </a:p>
@@ -422,7 +1002,7 @@
           <a:p>
             <a:fld id="{B7505682-797F-44FC-A382-8B6C2659ED26}" type="datetimeFigureOut">
               <a:rPr lang="en-US" smtClean="0"/>
-              <a:t>3/12/2025</a:t>
+              <a:t>4/20/2025</a:t>
             </a:fld>
             <a:endParaRPr lang="en-US"/>
           </a:p>
@@ -600,7 +1180,7 @@
           <a:p>
             <a:fld id="{B7505682-797F-44FC-A382-8B6C2659ED26}" type="datetimeFigureOut">
               <a:rPr lang="en-US" smtClean="0"/>
-              <a:t>3/12/2025</a:t>
+              <a:t>4/20/2025</a:t>
             </a:fld>
             <a:endParaRPr lang="en-US"/>
           </a:p>
@@ -768,7 +1348,7 @@
           <a:p>
             <a:fld id="{B7505682-797F-44FC-A382-8B6C2659ED26}" type="datetimeFigureOut">
               <a:rPr lang="en-US" smtClean="0"/>
-              <a:t>3/12/2025</a:t>
+              <a:t>4/20/2025</a:t>
             </a:fld>
             <a:endParaRPr lang="en-US"/>
           </a:p>
@@ -1013,7 +1593,7 @@
           <a:p>
             <a:fld id="{B7505682-797F-44FC-A382-8B6C2659ED26}" type="datetimeFigureOut">
               <a:rPr lang="en-US" smtClean="0"/>
-              <a:t>3/12/2025</a:t>
+              <a:t>4/20/2025</a:t>
             </a:fld>
             <a:endParaRPr lang="en-US"/>
           </a:p>
@@ -1242,7 +1822,7 @@
           <a:p>
             <a:fld id="{B7505682-797F-44FC-A382-8B6C2659ED26}" type="datetimeFigureOut">
               <a:rPr lang="en-US" smtClean="0"/>
-              <a:t>3/12/2025</a:t>
+              <a:t>4/20/2025</a:t>
             </a:fld>
             <a:endParaRPr lang="en-US"/>
           </a:p>
@@ -1606,7 +2186,7 @@
           <a:p>
             <a:fld id="{B7505682-797F-44FC-A382-8B6C2659ED26}" type="datetimeFigureOut">
               <a:rPr lang="en-US" smtClean="0"/>
-              <a:t>3/12/2025</a:t>
+              <a:t>4/20/2025</a:t>
             </a:fld>
             <a:endParaRPr lang="en-US"/>
           </a:p>
@@ -1723,7 +2303,7 @@
           <a:p>
             <a:fld id="{B7505682-797F-44FC-A382-8B6C2659ED26}" type="datetimeFigureOut">
               <a:rPr lang="en-US" smtClean="0"/>
-              <a:t>3/12/2025</a:t>
+              <a:t>4/20/2025</a:t>
             </a:fld>
             <a:endParaRPr lang="en-US"/>
           </a:p>
@@ -1818,7 +2398,7 @@
           <a:p>
             <a:fld id="{B7505682-797F-44FC-A382-8B6C2659ED26}" type="datetimeFigureOut">
               <a:rPr lang="en-US" smtClean="0"/>
-              <a:t>3/12/2025</a:t>
+              <a:t>4/20/2025</a:t>
             </a:fld>
             <a:endParaRPr lang="en-US"/>
           </a:p>
@@ -2093,7 +2673,7 @@
           <a:p>
             <a:fld id="{B7505682-797F-44FC-A382-8B6C2659ED26}" type="datetimeFigureOut">
               <a:rPr lang="en-US" smtClean="0"/>
-              <a:t>3/12/2025</a:t>
+              <a:t>4/20/2025</a:t>
             </a:fld>
             <a:endParaRPr lang="en-US"/>
           </a:p>
@@ -2345,7 +2925,7 @@
           <a:p>
             <a:fld id="{B7505682-797F-44FC-A382-8B6C2659ED26}" type="datetimeFigureOut">
               <a:rPr lang="en-US" smtClean="0"/>
-              <a:t>3/12/2025</a:t>
+              <a:t>4/20/2025</a:t>
             </a:fld>
             <a:endParaRPr lang="en-US"/>
           </a:p>
@@ -2556,7 +3136,7 @@
           <a:p>
             <a:fld id="{B7505682-797F-44FC-A382-8B6C2659ED26}" type="datetimeFigureOut">
               <a:rPr lang="en-US" smtClean="0"/>
-              <a:t>3/12/2025</a:t>
+              <a:t>4/20/2025</a:t>
             </a:fld>
             <a:endParaRPr lang="en-US"/>
           </a:p>
@@ -3233,6 +3813,256 @@
     <p:extLst>
       <p:ext uri="{BB962C8B-B14F-4D97-AF65-F5344CB8AC3E}">
         <p14:creationId xmlns:p14="http://schemas.microsoft.com/office/powerpoint/2010/main" val="2267418309"/>
+      </p:ext>
+    </p:extLst>
+  </p:cSld>
+  <p:clrMapOvr>
+    <a:masterClrMapping/>
+  </p:clrMapOvr>
+</p:sld>
+</file>
+
+<file path=ppt/slides/slide10.xml><?xml version="1.0" encoding="utf-8"?>
+<p:sld xmlns:a="http://schemas.openxmlformats.org/drawingml/2006/main" xmlns:r="http://schemas.openxmlformats.org/officeDocument/2006/relationships" xmlns:p="http://schemas.openxmlformats.org/presentationml/2006/main">
+  <p:cSld>
+    <p:spTree>
+      <p:nvGrpSpPr>
+        <p:cNvPr id="1" name=""/>
+        <p:cNvGrpSpPr/>
+        <p:nvPr/>
+      </p:nvGrpSpPr>
+      <p:grpSpPr>
+        <a:xfrm>
+          <a:off x="0" y="0"/>
+          <a:ext cx="0" cy="0"/>
+          <a:chOff x="0" y="0"/>
+          <a:chExt cx="0" cy="0"/>
+        </a:xfrm>
+      </p:grpSpPr>
+      <p:sp>
+        <p:nvSpPr>
+          <p:cNvPr id="2" name="Title 1">
+            <a:extLst>
+              <a:ext uri="{FF2B5EF4-FFF2-40B4-BE49-F238E27FC236}">
+                <a16:creationId xmlns:a16="http://schemas.microsoft.com/office/drawing/2014/main" id="{C2154D2C-7EC1-7AA9-6E12-0BC1303DF4CE}"/>
+              </a:ext>
+            </a:extLst>
+          </p:cNvPr>
+          <p:cNvSpPr>
+            <a:spLocks noGrp="1"/>
+          </p:cNvSpPr>
+          <p:nvPr>
+            <p:ph type="title"/>
+          </p:nvPr>
+        </p:nvSpPr>
+        <p:spPr>
+          <a:xfrm>
+            <a:off x="401216" y="365126"/>
+            <a:ext cx="11485984" cy="418646"/>
+          </a:xfrm>
+        </p:spPr>
+        <p:txBody>
+          <a:bodyPr>
+            <a:normAutofit fontScale="90000"/>
+          </a:bodyPr>
+          <a:lstStyle/>
+          <a:p>
+            <a:r>
+              <a:rPr lang="en-IN" sz="3200" dirty="0">
+                <a:latin typeface="Times New Roman" panose="02020603050405020304" pitchFamily="18" charset="0"/>
+                <a:cs typeface="Times New Roman" panose="02020603050405020304" pitchFamily="18" charset="0"/>
+              </a:rPr>
+              <a:t>Component Diagram</a:t>
+            </a:r>
+          </a:p>
+        </p:txBody>
+      </p:sp>
+      <p:pic>
+        <p:nvPicPr>
+          <p:cNvPr id="6" name="Picture 5">
+            <a:extLst>
+              <a:ext uri="{FF2B5EF4-FFF2-40B4-BE49-F238E27FC236}">
+                <a16:creationId xmlns:a16="http://schemas.microsoft.com/office/drawing/2014/main" id="{96524272-2CD6-E7D0-8F8C-C07C621FF956}"/>
+              </a:ext>
+            </a:extLst>
+          </p:cNvPr>
+          <p:cNvPicPr>
+            <a:picLocks noChangeAspect="1"/>
+          </p:cNvPicPr>
+          <p:nvPr/>
+        </p:nvPicPr>
+        <p:blipFill>
+          <a:blip r:embed="rId2">
+            <a:extLst>
+              <a:ext uri="{28A0092B-C50C-407E-A947-70E740481C1C}">
+                <a14:useLocalDpi xmlns:a14="http://schemas.microsoft.com/office/drawing/2010/main" val="0"/>
+              </a:ext>
+            </a:extLst>
+          </a:blip>
+          <a:stretch>
+            <a:fillRect/>
+          </a:stretch>
+        </p:blipFill>
+        <p:spPr>
+          <a:xfrm>
+            <a:off x="2208974" y="1156996"/>
+            <a:ext cx="7774051" cy="5215811"/>
+          </a:xfrm>
+          <a:prstGeom prst="rect">
+            <a:avLst/>
+          </a:prstGeom>
+        </p:spPr>
+      </p:pic>
+    </p:spTree>
+    <p:extLst>
+      <p:ext uri="{BB962C8B-B14F-4D97-AF65-F5344CB8AC3E}">
+        <p14:creationId xmlns:p14="http://schemas.microsoft.com/office/powerpoint/2010/main" val="2420393502"/>
+      </p:ext>
+    </p:extLst>
+  </p:cSld>
+  <p:clrMapOvr>
+    <a:masterClrMapping/>
+  </p:clrMapOvr>
+</p:sld>
+</file>
+
+<file path=ppt/slides/slide11.xml><?xml version="1.0" encoding="utf-8"?>
+<p:sld xmlns:a="http://schemas.openxmlformats.org/drawingml/2006/main" xmlns:r="http://schemas.openxmlformats.org/officeDocument/2006/relationships" xmlns:p="http://schemas.openxmlformats.org/presentationml/2006/main">
+  <p:cSld>
+    <p:spTree>
+      <p:nvGrpSpPr>
+        <p:cNvPr id="1" name=""/>
+        <p:cNvGrpSpPr/>
+        <p:nvPr/>
+      </p:nvGrpSpPr>
+      <p:grpSpPr>
+        <a:xfrm>
+          <a:off x="0" y="0"/>
+          <a:ext cx="0" cy="0"/>
+          <a:chOff x="0" y="0"/>
+          <a:chExt cx="0" cy="0"/>
+        </a:xfrm>
+      </p:grpSpPr>
+      <p:sp>
+        <p:nvSpPr>
+          <p:cNvPr id="2" name="Title 1">
+            <a:extLst>
+              <a:ext uri="{FF2B5EF4-FFF2-40B4-BE49-F238E27FC236}">
+                <a16:creationId xmlns:a16="http://schemas.microsoft.com/office/drawing/2014/main" id="{3137AEA6-2BA2-4CE3-619C-AEFD13CC1D5D}"/>
+              </a:ext>
+            </a:extLst>
+          </p:cNvPr>
+          <p:cNvSpPr>
+            <a:spLocks noGrp="1"/>
+          </p:cNvSpPr>
+          <p:nvPr>
+            <p:ph type="title"/>
+          </p:nvPr>
+        </p:nvSpPr>
+        <p:spPr>
+          <a:xfrm>
+            <a:off x="325015" y="281149"/>
+            <a:ext cx="11655491" cy="511953"/>
+          </a:xfrm>
+        </p:spPr>
+        <p:txBody>
+          <a:bodyPr>
+            <a:noAutofit/>
+          </a:bodyPr>
+          <a:lstStyle/>
+          <a:p>
+            <a:r>
+              <a:rPr lang="en-IN" sz="3200" dirty="0" err="1">
+                <a:latin typeface="Times New Roman" panose="02020603050405020304" pitchFamily="18" charset="0"/>
+                <a:cs typeface="Times New Roman" panose="02020603050405020304" pitchFamily="18" charset="0"/>
+              </a:rPr>
+              <a:t>Deployement</a:t>
+            </a:r>
+            <a:r>
+              <a:rPr lang="en-IN" sz="3200" dirty="0">
+                <a:latin typeface="Times New Roman" panose="02020603050405020304" pitchFamily="18" charset="0"/>
+                <a:cs typeface="Times New Roman" panose="02020603050405020304" pitchFamily="18" charset="0"/>
+              </a:rPr>
+              <a:t> Diagram</a:t>
+            </a:r>
+          </a:p>
+        </p:txBody>
+      </p:sp>
+    </p:spTree>
+    <p:extLst>
+      <p:ext uri="{BB962C8B-B14F-4D97-AF65-F5344CB8AC3E}">
+        <p14:creationId xmlns:p14="http://schemas.microsoft.com/office/powerpoint/2010/main" val="3045030459"/>
+      </p:ext>
+    </p:extLst>
+  </p:cSld>
+  <p:clrMapOvr>
+    <a:masterClrMapping/>
+  </p:clrMapOvr>
+</p:sld>
+</file>
+
+<file path=ppt/slides/slide12.xml><?xml version="1.0" encoding="utf-8"?>
+<p:sld xmlns:a="http://schemas.openxmlformats.org/drawingml/2006/main" xmlns:r="http://schemas.openxmlformats.org/officeDocument/2006/relationships" xmlns:p="http://schemas.openxmlformats.org/presentationml/2006/main">
+  <p:cSld>
+    <p:spTree>
+      <p:nvGrpSpPr>
+        <p:cNvPr id="1" name=""/>
+        <p:cNvGrpSpPr/>
+        <p:nvPr/>
+      </p:nvGrpSpPr>
+      <p:grpSpPr>
+        <a:xfrm>
+          <a:off x="0" y="0"/>
+          <a:ext cx="0" cy="0"/>
+          <a:chOff x="0" y="0"/>
+          <a:chExt cx="0" cy="0"/>
+        </a:xfrm>
+      </p:grpSpPr>
+      <p:sp>
+        <p:nvSpPr>
+          <p:cNvPr id="2" name="Title 1">
+            <a:extLst>
+              <a:ext uri="{FF2B5EF4-FFF2-40B4-BE49-F238E27FC236}">
+                <a16:creationId xmlns:a16="http://schemas.microsoft.com/office/drawing/2014/main" id="{A4444F8C-5A6D-7532-7745-B5C0B2F306E6}"/>
+              </a:ext>
+            </a:extLst>
+          </p:cNvPr>
+          <p:cNvSpPr>
+            <a:spLocks noGrp="1"/>
+          </p:cNvSpPr>
+          <p:nvPr>
+            <p:ph type="title"/>
+          </p:nvPr>
+        </p:nvSpPr>
+        <p:spPr>
+          <a:xfrm>
+            <a:off x="950168" y="2103437"/>
+            <a:ext cx="10515600" cy="1325563"/>
+          </a:xfrm>
+        </p:spPr>
+        <p:txBody>
+          <a:bodyPr/>
+          <a:lstStyle/>
+          <a:p>
+            <a:pPr algn="just"/>
+            <a:r>
+              <a:rPr lang="en-IN" dirty="0"/>
+              <a:t>                        </a:t>
+            </a:r>
+            <a:r>
+              <a:rPr lang="en-IN" dirty="0">
+                <a:latin typeface="Times New Roman" panose="02020603050405020304" pitchFamily="18" charset="0"/>
+                <a:cs typeface="Times New Roman" panose="02020603050405020304" pitchFamily="18" charset="0"/>
+              </a:rPr>
+              <a:t>THANK YOU!</a:t>
+            </a:r>
+          </a:p>
+        </p:txBody>
+      </p:sp>
+    </p:spTree>
+    <p:extLst>
+      <p:ext uri="{BB962C8B-B14F-4D97-AF65-F5344CB8AC3E}">
+        <p14:creationId xmlns:p14="http://schemas.microsoft.com/office/powerpoint/2010/main" val="2606037271"/>
       </p:ext>
     </p:extLst>
   </p:cSld>
@@ -5073,7 +5903,7 @@
           <p:cNvPr id="2" name="Title 1">
             <a:extLst>
               <a:ext uri="{FF2B5EF4-FFF2-40B4-BE49-F238E27FC236}">
-                <a16:creationId xmlns:a16="http://schemas.microsoft.com/office/drawing/2014/main" id="{A4444F8C-5A6D-7532-7745-B5C0B2F306E6}"/>
+                <a16:creationId xmlns:a16="http://schemas.microsoft.com/office/drawing/2014/main" id="{0BC456DA-1C3D-D953-4FD5-B82D7F43FA63}"/>
               </a:ext>
             </a:extLst>
           </p:cNvPr>
@@ -5086,25 +5916,22 @@
         </p:nvSpPr>
         <p:spPr>
           <a:xfrm>
-            <a:off x="950168" y="2103437"/>
-            <a:ext cx="10515600" cy="1325563"/>
+            <a:off x="587829" y="365126"/>
+            <a:ext cx="10765971" cy="530613"/>
           </a:xfrm>
         </p:spPr>
         <p:txBody>
-          <a:bodyPr/>
-          <a:lstStyle/>
-          <a:p>
-            <a:pPr algn="just"/>
-            <a:r>
-              <a:rPr lang="en-IN" dirty="0"/>
-              <a:t>                        </a:t>
-            </a:r>
-            <a:r>
-              <a:rPr lang="en-IN" dirty="0">
+          <a:bodyPr>
+            <a:normAutofit/>
+          </a:bodyPr>
+          <a:lstStyle/>
+          <a:p>
+            <a:r>
+              <a:rPr lang="en-IN" sz="3200" dirty="0">
                 <a:latin typeface="Times New Roman" panose="02020603050405020304" pitchFamily="18" charset="0"/>
                 <a:cs typeface="Times New Roman" panose="02020603050405020304" pitchFamily="18" charset="0"/>
               </a:rPr>
-              <a:t>THANK YOU!</a:t>
+              <a:t>System Architecture</a:t>
             </a:r>
           </a:p>
         </p:txBody>
@@ -5112,7 +5939,2102 @@
     </p:spTree>
     <p:extLst>
       <p:ext uri="{BB962C8B-B14F-4D97-AF65-F5344CB8AC3E}">
-        <p14:creationId xmlns:p14="http://schemas.microsoft.com/office/powerpoint/2010/main" val="2606037271"/>
+        <p14:creationId xmlns:p14="http://schemas.microsoft.com/office/powerpoint/2010/main" val="110786674"/>
+      </p:ext>
+    </p:extLst>
+  </p:cSld>
+  <p:clrMapOvr>
+    <a:masterClrMapping/>
+  </p:clrMapOvr>
+</p:sld>
+</file>
+
+<file path=ppt/slides/slide6.xml><?xml version="1.0" encoding="utf-8"?>
+<p:sld xmlns:a="http://schemas.openxmlformats.org/drawingml/2006/main" xmlns:r="http://schemas.openxmlformats.org/officeDocument/2006/relationships" xmlns:p="http://schemas.openxmlformats.org/presentationml/2006/main">
+  <p:cSld>
+    <p:spTree>
+      <p:nvGrpSpPr>
+        <p:cNvPr id="1" name=""/>
+        <p:cNvGrpSpPr/>
+        <p:nvPr/>
+      </p:nvGrpSpPr>
+      <p:grpSpPr>
+        <a:xfrm>
+          <a:off x="0" y="0"/>
+          <a:ext cx="0" cy="0"/>
+          <a:chOff x="0" y="0"/>
+          <a:chExt cx="0" cy="0"/>
+        </a:xfrm>
+      </p:grpSpPr>
+      <p:sp>
+        <p:nvSpPr>
+          <p:cNvPr id="2" name="Title 1">
+            <a:extLst>
+              <a:ext uri="{FF2B5EF4-FFF2-40B4-BE49-F238E27FC236}">
+                <a16:creationId xmlns:a16="http://schemas.microsoft.com/office/drawing/2014/main" id="{C8A7655C-513F-196A-E6DC-A07411859AAA}"/>
+              </a:ext>
+            </a:extLst>
+          </p:cNvPr>
+          <p:cNvSpPr>
+            <a:spLocks noGrp="1"/>
+          </p:cNvSpPr>
+          <p:nvPr>
+            <p:ph type="title"/>
+          </p:nvPr>
+        </p:nvSpPr>
+        <p:spPr>
+          <a:xfrm>
+            <a:off x="419878" y="271820"/>
+            <a:ext cx="11467322" cy="521282"/>
+          </a:xfrm>
+        </p:spPr>
+        <p:txBody>
+          <a:bodyPr>
+            <a:normAutofit fontScale="90000"/>
+          </a:bodyPr>
+          <a:lstStyle/>
+          <a:p>
+            <a:r>
+              <a:rPr lang="en-IN" sz="3200" dirty="0">
+                <a:latin typeface="Times New Roman" panose="02020603050405020304" pitchFamily="18" charset="0"/>
+                <a:cs typeface="Times New Roman" panose="02020603050405020304" pitchFamily="18" charset="0"/>
+              </a:rPr>
+              <a:t>Use case Diagram</a:t>
+            </a:r>
+          </a:p>
+        </p:txBody>
+      </p:sp>
+      <p:sp>
+        <p:nvSpPr>
+          <p:cNvPr id="5" name="Oval 4">
+            <a:extLst>
+              <a:ext uri="{FF2B5EF4-FFF2-40B4-BE49-F238E27FC236}">
+                <a16:creationId xmlns:a16="http://schemas.microsoft.com/office/drawing/2014/main" id="{E723D808-9784-CE8E-774B-DA3124A45650}"/>
+              </a:ext>
+            </a:extLst>
+          </p:cNvPr>
+          <p:cNvSpPr/>
+          <p:nvPr/>
+        </p:nvSpPr>
+        <p:spPr>
+          <a:xfrm>
+            <a:off x="6484776" y="1156996"/>
+            <a:ext cx="2230016" cy="521282"/>
+          </a:xfrm>
+          <a:prstGeom prst="ellipse">
+            <a:avLst/>
+          </a:prstGeom>
+        </p:spPr>
+        <p:style>
+          <a:lnRef idx="2">
+            <a:schemeClr val="accent6"/>
+          </a:lnRef>
+          <a:fillRef idx="1">
+            <a:schemeClr val="lt1"/>
+          </a:fillRef>
+          <a:effectRef idx="0">
+            <a:schemeClr val="accent6"/>
+          </a:effectRef>
+          <a:fontRef idx="minor">
+            <a:schemeClr val="dk1"/>
+          </a:fontRef>
+        </p:style>
+        <p:txBody>
+          <a:bodyPr rtlCol="0" anchor="ctr"/>
+          <a:lstStyle/>
+          <a:p>
+            <a:pPr algn="ctr"/>
+            <a:r>
+              <a:rPr lang="en-IN" dirty="0"/>
+              <a:t>Upload Dataset</a:t>
+            </a:r>
+          </a:p>
+        </p:txBody>
+      </p:sp>
+      <p:sp>
+        <p:nvSpPr>
+          <p:cNvPr id="8" name="Oval 7">
+            <a:extLst>
+              <a:ext uri="{FF2B5EF4-FFF2-40B4-BE49-F238E27FC236}">
+                <a16:creationId xmlns:a16="http://schemas.microsoft.com/office/drawing/2014/main" id="{B13C9764-8664-4A8D-EAA6-B34C23E2E468}"/>
+              </a:ext>
+            </a:extLst>
+          </p:cNvPr>
+          <p:cNvSpPr/>
+          <p:nvPr/>
+        </p:nvSpPr>
+        <p:spPr>
+          <a:xfrm>
+            <a:off x="6484776" y="1931437"/>
+            <a:ext cx="2394857" cy="690465"/>
+          </a:xfrm>
+          <a:prstGeom prst="ellipse">
+            <a:avLst/>
+          </a:prstGeom>
+        </p:spPr>
+        <p:style>
+          <a:lnRef idx="2">
+            <a:schemeClr val="accent6"/>
+          </a:lnRef>
+          <a:fillRef idx="1">
+            <a:schemeClr val="lt1"/>
+          </a:fillRef>
+          <a:effectRef idx="0">
+            <a:schemeClr val="accent6"/>
+          </a:effectRef>
+          <a:fontRef idx="minor">
+            <a:schemeClr val="dk1"/>
+          </a:fontRef>
+        </p:style>
+        <p:txBody>
+          <a:bodyPr rtlCol="0" anchor="ctr"/>
+          <a:lstStyle/>
+          <a:p>
+            <a:pPr algn="ctr"/>
+            <a:r>
+              <a:rPr lang="en-IN" dirty="0"/>
+              <a:t>Perform Data Preprocessing</a:t>
+            </a:r>
+          </a:p>
+        </p:txBody>
+      </p:sp>
+      <p:sp>
+        <p:nvSpPr>
+          <p:cNvPr id="9" name="Oval 8">
+            <a:extLst>
+              <a:ext uri="{FF2B5EF4-FFF2-40B4-BE49-F238E27FC236}">
+                <a16:creationId xmlns:a16="http://schemas.microsoft.com/office/drawing/2014/main" id="{179A8C26-576B-9775-F662-0B42D63532BA}"/>
+              </a:ext>
+            </a:extLst>
+          </p:cNvPr>
+          <p:cNvSpPr/>
+          <p:nvPr/>
+        </p:nvSpPr>
+        <p:spPr>
+          <a:xfrm>
+            <a:off x="6584302" y="2816613"/>
+            <a:ext cx="2304661" cy="623920"/>
+          </a:xfrm>
+          <a:prstGeom prst="ellipse">
+            <a:avLst/>
+          </a:prstGeom>
+        </p:spPr>
+        <p:style>
+          <a:lnRef idx="2">
+            <a:schemeClr val="accent6"/>
+          </a:lnRef>
+          <a:fillRef idx="1">
+            <a:schemeClr val="lt1"/>
+          </a:fillRef>
+          <a:effectRef idx="0">
+            <a:schemeClr val="accent6"/>
+          </a:effectRef>
+          <a:fontRef idx="minor">
+            <a:schemeClr val="dk1"/>
+          </a:fontRef>
+        </p:style>
+        <p:txBody>
+          <a:bodyPr rtlCol="0" anchor="ctr"/>
+          <a:lstStyle/>
+          <a:p>
+            <a:pPr algn="ctr"/>
+            <a:r>
+              <a:rPr lang="en-IN" dirty="0"/>
+              <a:t>Perform Data Ingestion</a:t>
+            </a:r>
+          </a:p>
+        </p:txBody>
+      </p:sp>
+      <p:sp>
+        <p:nvSpPr>
+          <p:cNvPr id="10" name="Oval 9">
+            <a:extLst>
+              <a:ext uri="{FF2B5EF4-FFF2-40B4-BE49-F238E27FC236}">
+                <a16:creationId xmlns:a16="http://schemas.microsoft.com/office/drawing/2014/main" id="{A1AB5E45-074B-5F0B-7FEE-E1178DEC4B2E}"/>
+              </a:ext>
+            </a:extLst>
+          </p:cNvPr>
+          <p:cNvSpPr/>
+          <p:nvPr/>
+        </p:nvSpPr>
+        <p:spPr>
+          <a:xfrm>
+            <a:off x="6584302" y="3701789"/>
+            <a:ext cx="2304661" cy="1159460"/>
+          </a:xfrm>
+          <a:prstGeom prst="ellipse">
+            <a:avLst/>
+          </a:prstGeom>
+        </p:spPr>
+        <p:style>
+          <a:lnRef idx="2">
+            <a:schemeClr val="accent6"/>
+          </a:lnRef>
+          <a:fillRef idx="1">
+            <a:schemeClr val="lt1"/>
+          </a:fillRef>
+          <a:effectRef idx="0">
+            <a:schemeClr val="accent6"/>
+          </a:effectRef>
+          <a:fontRef idx="minor">
+            <a:schemeClr val="dk1"/>
+          </a:fontRef>
+        </p:style>
+        <p:txBody>
+          <a:bodyPr rtlCol="0" anchor="ctr"/>
+          <a:lstStyle/>
+          <a:p>
+            <a:pPr algn="ctr"/>
+            <a:r>
+              <a:rPr lang="en-IN" dirty="0"/>
+              <a:t>Run Model Selection</a:t>
+            </a:r>
+          </a:p>
+          <a:p>
+            <a:pPr algn="ctr"/>
+            <a:r>
+              <a:rPr lang="en-IN" dirty="0"/>
+              <a:t>(Classification/Regression</a:t>
+            </a:r>
+          </a:p>
+        </p:txBody>
+      </p:sp>
+      <p:sp>
+        <p:nvSpPr>
+          <p:cNvPr id="11" name="Oval 10">
+            <a:extLst>
+              <a:ext uri="{FF2B5EF4-FFF2-40B4-BE49-F238E27FC236}">
+                <a16:creationId xmlns:a16="http://schemas.microsoft.com/office/drawing/2014/main" id="{3D43B074-34B3-BEFE-6AA0-DE0272C1DC23}"/>
+              </a:ext>
+            </a:extLst>
+          </p:cNvPr>
+          <p:cNvSpPr/>
+          <p:nvPr/>
+        </p:nvSpPr>
+        <p:spPr>
+          <a:xfrm>
+            <a:off x="6711819" y="5047862"/>
+            <a:ext cx="2167813" cy="522514"/>
+          </a:xfrm>
+          <a:prstGeom prst="ellipse">
+            <a:avLst/>
+          </a:prstGeom>
+        </p:spPr>
+        <p:style>
+          <a:lnRef idx="2">
+            <a:schemeClr val="accent6"/>
+          </a:lnRef>
+          <a:fillRef idx="1">
+            <a:schemeClr val="lt1"/>
+          </a:fillRef>
+          <a:effectRef idx="0">
+            <a:schemeClr val="accent6"/>
+          </a:effectRef>
+          <a:fontRef idx="minor">
+            <a:schemeClr val="dk1"/>
+          </a:fontRef>
+        </p:style>
+        <p:txBody>
+          <a:bodyPr rtlCol="0" anchor="ctr"/>
+          <a:lstStyle/>
+          <a:p>
+            <a:pPr algn="ctr"/>
+            <a:r>
+              <a:rPr lang="en-IN" dirty="0"/>
+              <a:t>Perform Clustering</a:t>
+            </a:r>
+          </a:p>
+        </p:txBody>
+      </p:sp>
+      <p:sp>
+        <p:nvSpPr>
+          <p:cNvPr id="12" name="Oval 11">
+            <a:extLst>
+              <a:ext uri="{FF2B5EF4-FFF2-40B4-BE49-F238E27FC236}">
+                <a16:creationId xmlns:a16="http://schemas.microsoft.com/office/drawing/2014/main" id="{BEEEA9D5-D532-F5B8-8F7F-422BA735B6D1}"/>
+              </a:ext>
+            </a:extLst>
+          </p:cNvPr>
+          <p:cNvSpPr/>
+          <p:nvPr/>
+        </p:nvSpPr>
+        <p:spPr>
+          <a:xfrm>
+            <a:off x="6923313" y="5756989"/>
+            <a:ext cx="1937657" cy="829191"/>
+          </a:xfrm>
+          <a:prstGeom prst="ellipse">
+            <a:avLst/>
+          </a:prstGeom>
+        </p:spPr>
+        <p:style>
+          <a:lnRef idx="2">
+            <a:schemeClr val="accent6"/>
+          </a:lnRef>
+          <a:fillRef idx="1">
+            <a:schemeClr val="lt1"/>
+          </a:fillRef>
+          <a:effectRef idx="0">
+            <a:schemeClr val="accent6"/>
+          </a:effectRef>
+          <a:fontRef idx="minor">
+            <a:schemeClr val="dk1"/>
+          </a:fontRef>
+        </p:style>
+        <p:txBody>
+          <a:bodyPr rtlCol="0" anchor="ctr"/>
+          <a:lstStyle/>
+          <a:p>
+            <a:pPr algn="ctr"/>
+            <a:r>
+              <a:rPr lang="en-IN" dirty="0"/>
+              <a:t>Download Processed Data</a:t>
+            </a:r>
+          </a:p>
+        </p:txBody>
+      </p:sp>
+      <p:sp>
+        <p:nvSpPr>
+          <p:cNvPr id="13" name="Flowchart: Connector 12">
+            <a:extLst>
+              <a:ext uri="{FF2B5EF4-FFF2-40B4-BE49-F238E27FC236}">
+                <a16:creationId xmlns:a16="http://schemas.microsoft.com/office/drawing/2014/main" id="{EAE39023-DF6B-00B7-C070-55812BB1BC31}"/>
+              </a:ext>
+            </a:extLst>
+          </p:cNvPr>
+          <p:cNvSpPr/>
+          <p:nvPr/>
+        </p:nvSpPr>
+        <p:spPr>
+          <a:xfrm>
+            <a:off x="3013789" y="2669787"/>
+            <a:ext cx="569166" cy="521282"/>
+          </a:xfrm>
+          <a:prstGeom prst="flowChartConnector">
+            <a:avLst/>
+          </a:prstGeom>
+        </p:spPr>
+        <p:style>
+          <a:lnRef idx="2">
+            <a:schemeClr val="accent6"/>
+          </a:lnRef>
+          <a:fillRef idx="1">
+            <a:schemeClr val="lt1"/>
+          </a:fillRef>
+          <a:effectRef idx="0">
+            <a:schemeClr val="accent6"/>
+          </a:effectRef>
+          <a:fontRef idx="minor">
+            <a:schemeClr val="dk1"/>
+          </a:fontRef>
+        </p:style>
+        <p:txBody>
+          <a:bodyPr rtlCol="0" anchor="ctr"/>
+          <a:lstStyle/>
+          <a:p>
+            <a:pPr algn="ctr"/>
+            <a:endParaRPr lang="en-IN"/>
+          </a:p>
+        </p:txBody>
+      </p:sp>
+      <p:cxnSp>
+        <p:nvCxnSpPr>
+          <p:cNvPr id="15" name="Straight Connector 14">
+            <a:extLst>
+              <a:ext uri="{FF2B5EF4-FFF2-40B4-BE49-F238E27FC236}">
+                <a16:creationId xmlns:a16="http://schemas.microsoft.com/office/drawing/2014/main" id="{14E0C42B-F9C1-62E1-5D2A-CC41F8D3572A}"/>
+              </a:ext>
+            </a:extLst>
+          </p:cNvPr>
+          <p:cNvCxnSpPr>
+            <a:cxnSpLocks/>
+            <a:stCxn id="13" idx="4"/>
+          </p:cNvCxnSpPr>
+          <p:nvPr/>
+        </p:nvCxnSpPr>
+        <p:spPr>
+          <a:xfrm>
+            <a:off x="3298372" y="3191069"/>
+            <a:ext cx="0" cy="623920"/>
+          </a:xfrm>
+          <a:prstGeom prst="line">
+            <a:avLst/>
+          </a:prstGeom>
+        </p:spPr>
+        <p:style>
+          <a:lnRef idx="1">
+            <a:schemeClr val="dk1"/>
+          </a:lnRef>
+          <a:fillRef idx="0">
+            <a:schemeClr val="dk1"/>
+          </a:fillRef>
+          <a:effectRef idx="0">
+            <a:schemeClr val="dk1"/>
+          </a:effectRef>
+          <a:fontRef idx="minor">
+            <a:schemeClr val="tx1"/>
+          </a:fontRef>
+        </p:style>
+      </p:cxnSp>
+      <p:cxnSp>
+        <p:nvCxnSpPr>
+          <p:cNvPr id="18" name="Straight Connector 17">
+            <a:extLst>
+              <a:ext uri="{FF2B5EF4-FFF2-40B4-BE49-F238E27FC236}">
+                <a16:creationId xmlns:a16="http://schemas.microsoft.com/office/drawing/2014/main" id="{C282C345-E2AA-1D9D-1CC3-57E67CC6713B}"/>
+              </a:ext>
+            </a:extLst>
+          </p:cNvPr>
+          <p:cNvCxnSpPr/>
+          <p:nvPr/>
+        </p:nvCxnSpPr>
+        <p:spPr>
+          <a:xfrm flipH="1">
+            <a:off x="3013789" y="3814989"/>
+            <a:ext cx="284583" cy="439770"/>
+          </a:xfrm>
+          <a:prstGeom prst="line">
+            <a:avLst/>
+          </a:prstGeom>
+        </p:spPr>
+        <p:style>
+          <a:lnRef idx="1">
+            <a:schemeClr val="dk1"/>
+          </a:lnRef>
+          <a:fillRef idx="0">
+            <a:schemeClr val="dk1"/>
+          </a:fillRef>
+          <a:effectRef idx="0">
+            <a:schemeClr val="dk1"/>
+          </a:effectRef>
+          <a:fontRef idx="minor">
+            <a:schemeClr val="tx1"/>
+          </a:fontRef>
+        </p:style>
+      </p:cxnSp>
+      <p:cxnSp>
+        <p:nvCxnSpPr>
+          <p:cNvPr id="20" name="Straight Connector 19">
+            <a:extLst>
+              <a:ext uri="{FF2B5EF4-FFF2-40B4-BE49-F238E27FC236}">
+                <a16:creationId xmlns:a16="http://schemas.microsoft.com/office/drawing/2014/main" id="{BE699155-8AEA-808A-D550-8C0276D94BF6}"/>
+              </a:ext>
+            </a:extLst>
+          </p:cNvPr>
+          <p:cNvCxnSpPr/>
+          <p:nvPr/>
+        </p:nvCxnSpPr>
+        <p:spPr>
+          <a:xfrm>
+            <a:off x="3298372" y="3814989"/>
+            <a:ext cx="284583" cy="439770"/>
+          </a:xfrm>
+          <a:prstGeom prst="line">
+            <a:avLst/>
+          </a:prstGeom>
+        </p:spPr>
+        <p:style>
+          <a:lnRef idx="1">
+            <a:schemeClr val="dk1"/>
+          </a:lnRef>
+          <a:fillRef idx="0">
+            <a:schemeClr val="dk1"/>
+          </a:fillRef>
+          <a:effectRef idx="0">
+            <a:schemeClr val="dk1"/>
+          </a:effectRef>
+          <a:fontRef idx="minor">
+            <a:schemeClr val="tx1"/>
+          </a:fontRef>
+        </p:style>
+      </p:cxnSp>
+      <p:cxnSp>
+        <p:nvCxnSpPr>
+          <p:cNvPr id="22" name="Straight Connector 21">
+            <a:extLst>
+              <a:ext uri="{FF2B5EF4-FFF2-40B4-BE49-F238E27FC236}">
+                <a16:creationId xmlns:a16="http://schemas.microsoft.com/office/drawing/2014/main" id="{D96C8BEF-20F2-0A8E-CCF2-686BA95F8F91}"/>
+              </a:ext>
+            </a:extLst>
+          </p:cNvPr>
+          <p:cNvCxnSpPr>
+            <a:cxnSpLocks/>
+          </p:cNvCxnSpPr>
+          <p:nvPr/>
+        </p:nvCxnSpPr>
+        <p:spPr>
+          <a:xfrm>
+            <a:off x="2883159" y="3536302"/>
+            <a:ext cx="793102" cy="0"/>
+          </a:xfrm>
+          <a:prstGeom prst="line">
+            <a:avLst/>
+          </a:prstGeom>
+        </p:spPr>
+        <p:style>
+          <a:lnRef idx="1">
+            <a:schemeClr val="dk1"/>
+          </a:lnRef>
+          <a:fillRef idx="0">
+            <a:schemeClr val="dk1"/>
+          </a:fillRef>
+          <a:effectRef idx="0">
+            <a:schemeClr val="dk1"/>
+          </a:effectRef>
+          <a:fontRef idx="minor">
+            <a:schemeClr val="tx1"/>
+          </a:fontRef>
+        </p:style>
+      </p:cxnSp>
+      <p:sp>
+        <p:nvSpPr>
+          <p:cNvPr id="26" name="TextBox 25">
+            <a:extLst>
+              <a:ext uri="{FF2B5EF4-FFF2-40B4-BE49-F238E27FC236}">
+                <a16:creationId xmlns:a16="http://schemas.microsoft.com/office/drawing/2014/main" id="{EC41FCD0-46B9-8669-6E15-42ECDC51653C}"/>
+              </a:ext>
+            </a:extLst>
+          </p:cNvPr>
+          <p:cNvSpPr txBox="1"/>
+          <p:nvPr/>
+        </p:nvSpPr>
+        <p:spPr>
+          <a:xfrm>
+            <a:off x="3013789" y="4646646"/>
+            <a:ext cx="662472" cy="369332"/>
+          </a:xfrm>
+          <a:prstGeom prst="rect">
+            <a:avLst/>
+          </a:prstGeom>
+          <a:noFill/>
+        </p:spPr>
+        <p:txBody>
+          <a:bodyPr wrap="square" rtlCol="0">
+            <a:spAutoFit/>
+          </a:bodyPr>
+          <a:lstStyle/>
+          <a:p>
+            <a:r>
+              <a:rPr lang="en-IN" dirty="0"/>
+              <a:t>User</a:t>
+            </a:r>
+          </a:p>
+        </p:txBody>
+      </p:sp>
+      <p:cxnSp>
+        <p:nvCxnSpPr>
+          <p:cNvPr id="28" name="Straight Connector 27">
+            <a:extLst>
+              <a:ext uri="{FF2B5EF4-FFF2-40B4-BE49-F238E27FC236}">
+                <a16:creationId xmlns:a16="http://schemas.microsoft.com/office/drawing/2014/main" id="{D67F202C-AB1B-FAFC-5E71-BEE2F576E534}"/>
+              </a:ext>
+            </a:extLst>
+          </p:cNvPr>
+          <p:cNvCxnSpPr>
+            <a:cxnSpLocks/>
+          </p:cNvCxnSpPr>
+          <p:nvPr/>
+        </p:nvCxnSpPr>
+        <p:spPr>
+          <a:xfrm flipV="1">
+            <a:off x="3676261" y="1520890"/>
+            <a:ext cx="2696547" cy="1418253"/>
+          </a:xfrm>
+          <a:prstGeom prst="line">
+            <a:avLst/>
+          </a:prstGeom>
+        </p:spPr>
+        <p:style>
+          <a:lnRef idx="1">
+            <a:schemeClr val="dk1"/>
+          </a:lnRef>
+          <a:fillRef idx="0">
+            <a:schemeClr val="dk1"/>
+          </a:fillRef>
+          <a:effectRef idx="0">
+            <a:schemeClr val="dk1"/>
+          </a:effectRef>
+          <a:fontRef idx="minor">
+            <a:schemeClr val="tx1"/>
+          </a:fontRef>
+        </p:style>
+      </p:cxnSp>
+      <p:cxnSp>
+        <p:nvCxnSpPr>
+          <p:cNvPr id="31" name="Straight Connector 30">
+            <a:extLst>
+              <a:ext uri="{FF2B5EF4-FFF2-40B4-BE49-F238E27FC236}">
+                <a16:creationId xmlns:a16="http://schemas.microsoft.com/office/drawing/2014/main" id="{63A7FE14-34FC-8794-9670-66D5C863986D}"/>
+              </a:ext>
+            </a:extLst>
+          </p:cNvPr>
+          <p:cNvCxnSpPr>
+            <a:cxnSpLocks/>
+          </p:cNvCxnSpPr>
+          <p:nvPr/>
+        </p:nvCxnSpPr>
+        <p:spPr>
+          <a:xfrm flipV="1">
+            <a:off x="3778898" y="2267339"/>
+            <a:ext cx="2593910" cy="671804"/>
+          </a:xfrm>
+          <a:prstGeom prst="line">
+            <a:avLst/>
+          </a:prstGeom>
+        </p:spPr>
+        <p:style>
+          <a:lnRef idx="1">
+            <a:schemeClr val="dk1"/>
+          </a:lnRef>
+          <a:fillRef idx="0">
+            <a:schemeClr val="dk1"/>
+          </a:fillRef>
+          <a:effectRef idx="0">
+            <a:schemeClr val="dk1"/>
+          </a:effectRef>
+          <a:fontRef idx="minor">
+            <a:schemeClr val="tx1"/>
+          </a:fontRef>
+        </p:style>
+      </p:cxnSp>
+      <p:cxnSp>
+        <p:nvCxnSpPr>
+          <p:cNvPr id="34" name="Straight Connector 33">
+            <a:extLst>
+              <a:ext uri="{FF2B5EF4-FFF2-40B4-BE49-F238E27FC236}">
+                <a16:creationId xmlns:a16="http://schemas.microsoft.com/office/drawing/2014/main" id="{4B0CE014-C0C0-4757-4258-A1A21FE6006D}"/>
+              </a:ext>
+            </a:extLst>
+          </p:cNvPr>
+          <p:cNvCxnSpPr>
+            <a:cxnSpLocks/>
+          </p:cNvCxnSpPr>
+          <p:nvPr/>
+        </p:nvCxnSpPr>
+        <p:spPr>
+          <a:xfrm>
+            <a:off x="3778898" y="3060441"/>
+            <a:ext cx="2593910" cy="1"/>
+          </a:xfrm>
+          <a:prstGeom prst="line">
+            <a:avLst/>
+          </a:prstGeom>
+        </p:spPr>
+        <p:style>
+          <a:lnRef idx="1">
+            <a:schemeClr val="dk1"/>
+          </a:lnRef>
+          <a:fillRef idx="0">
+            <a:schemeClr val="dk1"/>
+          </a:fillRef>
+          <a:effectRef idx="0">
+            <a:schemeClr val="dk1"/>
+          </a:effectRef>
+          <a:fontRef idx="minor">
+            <a:schemeClr val="tx1"/>
+          </a:fontRef>
+        </p:style>
+      </p:cxnSp>
+      <p:cxnSp>
+        <p:nvCxnSpPr>
+          <p:cNvPr id="37" name="Straight Connector 36">
+            <a:extLst>
+              <a:ext uri="{FF2B5EF4-FFF2-40B4-BE49-F238E27FC236}">
+                <a16:creationId xmlns:a16="http://schemas.microsoft.com/office/drawing/2014/main" id="{50CA53F6-83EC-76CD-2955-C0595FDAE11E}"/>
+              </a:ext>
+            </a:extLst>
+          </p:cNvPr>
+          <p:cNvCxnSpPr>
+            <a:cxnSpLocks/>
+          </p:cNvCxnSpPr>
+          <p:nvPr/>
+        </p:nvCxnSpPr>
+        <p:spPr>
+          <a:xfrm>
+            <a:off x="3794449" y="3191069"/>
+            <a:ext cx="2690327" cy="914399"/>
+          </a:xfrm>
+          <a:prstGeom prst="line">
+            <a:avLst/>
+          </a:prstGeom>
+        </p:spPr>
+        <p:style>
+          <a:lnRef idx="1">
+            <a:schemeClr val="dk1"/>
+          </a:lnRef>
+          <a:fillRef idx="0">
+            <a:schemeClr val="dk1"/>
+          </a:fillRef>
+          <a:effectRef idx="0">
+            <a:schemeClr val="dk1"/>
+          </a:effectRef>
+          <a:fontRef idx="minor">
+            <a:schemeClr val="tx1"/>
+          </a:fontRef>
+        </p:style>
+      </p:cxnSp>
+      <p:cxnSp>
+        <p:nvCxnSpPr>
+          <p:cNvPr id="40" name="Straight Connector 39">
+            <a:extLst>
+              <a:ext uri="{FF2B5EF4-FFF2-40B4-BE49-F238E27FC236}">
+                <a16:creationId xmlns:a16="http://schemas.microsoft.com/office/drawing/2014/main" id="{C82524A1-0E85-7CBD-26C8-4D8C13E449A5}"/>
+              </a:ext>
+            </a:extLst>
+          </p:cNvPr>
+          <p:cNvCxnSpPr>
+            <a:cxnSpLocks/>
+          </p:cNvCxnSpPr>
+          <p:nvPr/>
+        </p:nvCxnSpPr>
+        <p:spPr>
+          <a:xfrm>
+            <a:off x="3642047" y="3165543"/>
+            <a:ext cx="3020009" cy="2034074"/>
+          </a:xfrm>
+          <a:prstGeom prst="line">
+            <a:avLst/>
+          </a:prstGeom>
+        </p:spPr>
+        <p:style>
+          <a:lnRef idx="1">
+            <a:schemeClr val="dk1"/>
+          </a:lnRef>
+          <a:fillRef idx="0">
+            <a:schemeClr val="dk1"/>
+          </a:fillRef>
+          <a:effectRef idx="0">
+            <a:schemeClr val="dk1"/>
+          </a:effectRef>
+          <a:fontRef idx="minor">
+            <a:schemeClr val="tx1"/>
+          </a:fontRef>
+        </p:style>
+      </p:cxnSp>
+    </p:spTree>
+    <p:extLst>
+      <p:ext uri="{BB962C8B-B14F-4D97-AF65-F5344CB8AC3E}">
+        <p14:creationId xmlns:p14="http://schemas.microsoft.com/office/powerpoint/2010/main" val="2067916261"/>
+      </p:ext>
+    </p:extLst>
+  </p:cSld>
+  <p:clrMapOvr>
+    <a:masterClrMapping/>
+  </p:clrMapOvr>
+</p:sld>
+</file>
+
+<file path=ppt/slides/slide7.xml><?xml version="1.0" encoding="utf-8"?>
+<p:sld xmlns:a="http://schemas.openxmlformats.org/drawingml/2006/main" xmlns:r="http://schemas.openxmlformats.org/officeDocument/2006/relationships" xmlns:p="http://schemas.openxmlformats.org/presentationml/2006/main">
+  <p:cSld>
+    <p:spTree>
+      <p:nvGrpSpPr>
+        <p:cNvPr id="1" name=""/>
+        <p:cNvGrpSpPr/>
+        <p:nvPr/>
+      </p:nvGrpSpPr>
+      <p:grpSpPr>
+        <a:xfrm>
+          <a:off x="0" y="0"/>
+          <a:ext cx="0" cy="0"/>
+          <a:chOff x="0" y="0"/>
+          <a:chExt cx="0" cy="0"/>
+        </a:xfrm>
+      </p:grpSpPr>
+      <p:sp>
+        <p:nvSpPr>
+          <p:cNvPr id="2" name="Title 1">
+            <a:extLst>
+              <a:ext uri="{FF2B5EF4-FFF2-40B4-BE49-F238E27FC236}">
+                <a16:creationId xmlns:a16="http://schemas.microsoft.com/office/drawing/2014/main" id="{CBC148E4-14D1-9405-65D2-10E9DFAEB6FA}"/>
+              </a:ext>
+            </a:extLst>
+          </p:cNvPr>
+          <p:cNvSpPr>
+            <a:spLocks noGrp="1"/>
+          </p:cNvSpPr>
+          <p:nvPr>
+            <p:ph type="title"/>
+          </p:nvPr>
+        </p:nvSpPr>
+        <p:spPr>
+          <a:xfrm>
+            <a:off x="410547" y="365125"/>
+            <a:ext cx="10943253" cy="427977"/>
+          </a:xfrm>
+        </p:spPr>
+        <p:txBody>
+          <a:bodyPr>
+            <a:noAutofit/>
+          </a:bodyPr>
+          <a:lstStyle/>
+          <a:p>
+            <a:r>
+              <a:rPr lang="en-IN" sz="3200" dirty="0">
+                <a:latin typeface="Times New Roman" panose="02020603050405020304" pitchFamily="18" charset="0"/>
+                <a:cs typeface="Times New Roman" panose="02020603050405020304" pitchFamily="18" charset="0"/>
+              </a:rPr>
+              <a:t>Sequence Diagram</a:t>
+            </a:r>
+          </a:p>
+        </p:txBody>
+      </p:sp>
+      <p:sp>
+        <p:nvSpPr>
+          <p:cNvPr id="6" name="Rectangle 5">
+            <a:extLst>
+              <a:ext uri="{FF2B5EF4-FFF2-40B4-BE49-F238E27FC236}">
+                <a16:creationId xmlns:a16="http://schemas.microsoft.com/office/drawing/2014/main" id="{A6261F31-C7A1-4E78-80D7-C2865B6924AD}"/>
+              </a:ext>
+            </a:extLst>
+          </p:cNvPr>
+          <p:cNvSpPr/>
+          <p:nvPr/>
+        </p:nvSpPr>
+        <p:spPr>
+          <a:xfrm>
+            <a:off x="1402898" y="5417360"/>
+            <a:ext cx="989044" cy="427977"/>
+          </a:xfrm>
+          <a:prstGeom prst="rect">
+            <a:avLst/>
+          </a:prstGeom>
+        </p:spPr>
+        <p:style>
+          <a:lnRef idx="2">
+            <a:schemeClr val="accent6"/>
+          </a:lnRef>
+          <a:fillRef idx="1">
+            <a:schemeClr val="lt1"/>
+          </a:fillRef>
+          <a:effectRef idx="0">
+            <a:schemeClr val="accent6"/>
+          </a:effectRef>
+          <a:fontRef idx="minor">
+            <a:schemeClr val="dk1"/>
+          </a:fontRef>
+        </p:style>
+        <p:txBody>
+          <a:bodyPr rtlCol="0" anchor="ctr"/>
+          <a:lstStyle/>
+          <a:p>
+            <a:pPr algn="ctr"/>
+            <a:r>
+              <a:rPr lang="en-IN" dirty="0"/>
+              <a:t>User</a:t>
+            </a:r>
+          </a:p>
+        </p:txBody>
+      </p:sp>
+      <p:sp>
+        <p:nvSpPr>
+          <p:cNvPr id="7" name="Rectangle 6">
+            <a:extLst>
+              <a:ext uri="{FF2B5EF4-FFF2-40B4-BE49-F238E27FC236}">
+                <a16:creationId xmlns:a16="http://schemas.microsoft.com/office/drawing/2014/main" id="{215C2DF6-2639-B299-44D5-A2768EFF95B3}"/>
+              </a:ext>
+            </a:extLst>
+          </p:cNvPr>
+          <p:cNvSpPr/>
+          <p:nvPr/>
+        </p:nvSpPr>
+        <p:spPr>
+          <a:xfrm>
+            <a:off x="3340357" y="1222763"/>
+            <a:ext cx="1707501" cy="427977"/>
+          </a:xfrm>
+          <a:prstGeom prst="rect">
+            <a:avLst/>
+          </a:prstGeom>
+        </p:spPr>
+        <p:style>
+          <a:lnRef idx="2">
+            <a:schemeClr val="accent6"/>
+          </a:lnRef>
+          <a:fillRef idx="1">
+            <a:schemeClr val="lt1"/>
+          </a:fillRef>
+          <a:effectRef idx="0">
+            <a:schemeClr val="accent6"/>
+          </a:effectRef>
+          <a:fontRef idx="minor">
+            <a:schemeClr val="dk1"/>
+          </a:fontRef>
+        </p:style>
+        <p:txBody>
+          <a:bodyPr rtlCol="0" anchor="ctr"/>
+          <a:lstStyle/>
+          <a:p>
+            <a:pPr algn="ctr"/>
+            <a:r>
+              <a:rPr lang="en-IN" dirty="0" err="1"/>
+              <a:t>Streamlit</a:t>
+            </a:r>
+            <a:r>
+              <a:rPr lang="en-IN" dirty="0"/>
+              <a:t> App</a:t>
+            </a:r>
+          </a:p>
+        </p:txBody>
+      </p:sp>
+      <p:sp>
+        <p:nvSpPr>
+          <p:cNvPr id="8" name="Rectangle 7">
+            <a:extLst>
+              <a:ext uri="{FF2B5EF4-FFF2-40B4-BE49-F238E27FC236}">
+                <a16:creationId xmlns:a16="http://schemas.microsoft.com/office/drawing/2014/main" id="{97AB9D61-004F-CAED-589E-930CB9251512}"/>
+              </a:ext>
+            </a:extLst>
+          </p:cNvPr>
+          <p:cNvSpPr/>
+          <p:nvPr/>
+        </p:nvSpPr>
+        <p:spPr>
+          <a:xfrm>
+            <a:off x="6148872" y="1222762"/>
+            <a:ext cx="2136712" cy="427977"/>
+          </a:xfrm>
+          <a:prstGeom prst="rect">
+            <a:avLst/>
+          </a:prstGeom>
+        </p:spPr>
+        <p:style>
+          <a:lnRef idx="2">
+            <a:schemeClr val="accent6"/>
+          </a:lnRef>
+          <a:fillRef idx="1">
+            <a:schemeClr val="lt1"/>
+          </a:fillRef>
+          <a:effectRef idx="0">
+            <a:schemeClr val="accent6"/>
+          </a:effectRef>
+          <a:fontRef idx="minor">
+            <a:schemeClr val="dk1"/>
+          </a:fontRef>
+        </p:style>
+        <p:txBody>
+          <a:bodyPr rtlCol="0" anchor="ctr"/>
+          <a:lstStyle/>
+          <a:p>
+            <a:pPr algn="ctr"/>
+            <a:r>
+              <a:rPr lang="en-IN" dirty="0"/>
+              <a:t>Data Preprocessor</a:t>
+            </a:r>
+          </a:p>
+        </p:txBody>
+      </p:sp>
+      <p:sp>
+        <p:nvSpPr>
+          <p:cNvPr id="9" name="Rectangle 8">
+            <a:extLst>
+              <a:ext uri="{FF2B5EF4-FFF2-40B4-BE49-F238E27FC236}">
+                <a16:creationId xmlns:a16="http://schemas.microsoft.com/office/drawing/2014/main" id="{488C9EE3-9E48-7DD0-96FD-91CF1621DDD7}"/>
+              </a:ext>
+            </a:extLst>
+          </p:cNvPr>
+          <p:cNvSpPr/>
+          <p:nvPr/>
+        </p:nvSpPr>
+        <p:spPr>
+          <a:xfrm>
+            <a:off x="9479902" y="1222762"/>
+            <a:ext cx="1873898" cy="427977"/>
+          </a:xfrm>
+          <a:prstGeom prst="rect">
+            <a:avLst/>
+          </a:prstGeom>
+        </p:spPr>
+        <p:style>
+          <a:lnRef idx="2">
+            <a:schemeClr val="accent6"/>
+          </a:lnRef>
+          <a:fillRef idx="1">
+            <a:schemeClr val="lt1"/>
+          </a:fillRef>
+          <a:effectRef idx="0">
+            <a:schemeClr val="accent6"/>
+          </a:effectRef>
+          <a:fontRef idx="minor">
+            <a:schemeClr val="dk1"/>
+          </a:fontRef>
+        </p:style>
+        <p:txBody>
+          <a:bodyPr rtlCol="0" anchor="ctr"/>
+          <a:lstStyle/>
+          <a:p>
+            <a:pPr algn="ctr"/>
+            <a:r>
+              <a:rPr lang="en-IN" dirty="0"/>
+              <a:t>Cluster Analyzer</a:t>
+            </a:r>
+          </a:p>
+        </p:txBody>
+      </p:sp>
+      <p:sp>
+        <p:nvSpPr>
+          <p:cNvPr id="10" name="Rectangle 9">
+            <a:extLst>
+              <a:ext uri="{FF2B5EF4-FFF2-40B4-BE49-F238E27FC236}">
+                <a16:creationId xmlns:a16="http://schemas.microsoft.com/office/drawing/2014/main" id="{B458127C-3AE4-DA4A-E9CD-024FC3A111D4}"/>
+              </a:ext>
+            </a:extLst>
+          </p:cNvPr>
+          <p:cNvSpPr/>
+          <p:nvPr/>
+        </p:nvSpPr>
+        <p:spPr>
+          <a:xfrm>
+            <a:off x="1402703" y="1226651"/>
+            <a:ext cx="989044" cy="427977"/>
+          </a:xfrm>
+          <a:prstGeom prst="rect">
+            <a:avLst/>
+          </a:prstGeom>
+        </p:spPr>
+        <p:style>
+          <a:lnRef idx="2">
+            <a:schemeClr val="accent6"/>
+          </a:lnRef>
+          <a:fillRef idx="1">
+            <a:schemeClr val="lt1"/>
+          </a:fillRef>
+          <a:effectRef idx="0">
+            <a:schemeClr val="accent6"/>
+          </a:effectRef>
+          <a:fontRef idx="minor">
+            <a:schemeClr val="dk1"/>
+          </a:fontRef>
+        </p:style>
+        <p:txBody>
+          <a:bodyPr rtlCol="0" anchor="ctr"/>
+          <a:lstStyle/>
+          <a:p>
+            <a:pPr algn="ctr"/>
+            <a:r>
+              <a:rPr lang="en-IN" dirty="0"/>
+              <a:t>User</a:t>
+            </a:r>
+          </a:p>
+        </p:txBody>
+      </p:sp>
+      <p:sp>
+        <p:nvSpPr>
+          <p:cNvPr id="12" name="Rectangle 11">
+            <a:extLst>
+              <a:ext uri="{FF2B5EF4-FFF2-40B4-BE49-F238E27FC236}">
+                <a16:creationId xmlns:a16="http://schemas.microsoft.com/office/drawing/2014/main" id="{04C1FA3F-9A73-9C5A-3892-141A6BCFFF3E}"/>
+              </a:ext>
+            </a:extLst>
+          </p:cNvPr>
+          <p:cNvSpPr/>
+          <p:nvPr/>
+        </p:nvSpPr>
+        <p:spPr>
+          <a:xfrm>
+            <a:off x="3340357" y="5421247"/>
+            <a:ext cx="1707501" cy="424090"/>
+          </a:xfrm>
+          <a:prstGeom prst="rect">
+            <a:avLst/>
+          </a:prstGeom>
+        </p:spPr>
+        <p:style>
+          <a:lnRef idx="2">
+            <a:schemeClr val="accent6"/>
+          </a:lnRef>
+          <a:fillRef idx="1">
+            <a:schemeClr val="lt1"/>
+          </a:fillRef>
+          <a:effectRef idx="0">
+            <a:schemeClr val="accent6"/>
+          </a:effectRef>
+          <a:fontRef idx="minor">
+            <a:schemeClr val="dk1"/>
+          </a:fontRef>
+        </p:style>
+        <p:txBody>
+          <a:bodyPr rtlCol="0" anchor="ctr"/>
+          <a:lstStyle/>
+          <a:p>
+            <a:pPr algn="ctr"/>
+            <a:r>
+              <a:rPr lang="en-IN" dirty="0" err="1"/>
+              <a:t>Streamlit</a:t>
+            </a:r>
+            <a:r>
+              <a:rPr lang="en-IN" dirty="0"/>
+              <a:t> App</a:t>
+            </a:r>
+          </a:p>
+        </p:txBody>
+      </p:sp>
+      <p:sp>
+        <p:nvSpPr>
+          <p:cNvPr id="13" name="Rectangle 12">
+            <a:extLst>
+              <a:ext uri="{FF2B5EF4-FFF2-40B4-BE49-F238E27FC236}">
+                <a16:creationId xmlns:a16="http://schemas.microsoft.com/office/drawing/2014/main" id="{6132BB0B-CB70-0811-82D2-440D709C6A72}"/>
+              </a:ext>
+            </a:extLst>
+          </p:cNvPr>
+          <p:cNvSpPr/>
+          <p:nvPr/>
+        </p:nvSpPr>
+        <p:spPr>
+          <a:xfrm>
+            <a:off x="6148872" y="5417359"/>
+            <a:ext cx="2136712" cy="427977"/>
+          </a:xfrm>
+          <a:prstGeom prst="rect">
+            <a:avLst/>
+          </a:prstGeom>
+        </p:spPr>
+        <p:style>
+          <a:lnRef idx="2">
+            <a:schemeClr val="accent6"/>
+          </a:lnRef>
+          <a:fillRef idx="1">
+            <a:schemeClr val="lt1"/>
+          </a:fillRef>
+          <a:effectRef idx="0">
+            <a:schemeClr val="accent6"/>
+          </a:effectRef>
+          <a:fontRef idx="minor">
+            <a:schemeClr val="dk1"/>
+          </a:fontRef>
+        </p:style>
+        <p:txBody>
+          <a:bodyPr rtlCol="0" anchor="ctr"/>
+          <a:lstStyle/>
+          <a:p>
+            <a:pPr algn="ctr"/>
+            <a:r>
+              <a:rPr lang="en-IN" dirty="0"/>
+              <a:t>ML Model Selector</a:t>
+            </a:r>
+          </a:p>
+        </p:txBody>
+      </p:sp>
+      <p:sp>
+        <p:nvSpPr>
+          <p:cNvPr id="14" name="Rectangle 13">
+            <a:extLst>
+              <a:ext uri="{FF2B5EF4-FFF2-40B4-BE49-F238E27FC236}">
+                <a16:creationId xmlns:a16="http://schemas.microsoft.com/office/drawing/2014/main" id="{A043528B-181D-9117-0308-7F765B80F323}"/>
+              </a:ext>
+            </a:extLst>
+          </p:cNvPr>
+          <p:cNvSpPr/>
+          <p:nvPr/>
+        </p:nvSpPr>
+        <p:spPr>
+          <a:xfrm>
+            <a:off x="9479902" y="5406211"/>
+            <a:ext cx="1873898" cy="427977"/>
+          </a:xfrm>
+          <a:prstGeom prst="rect">
+            <a:avLst/>
+          </a:prstGeom>
+        </p:spPr>
+        <p:style>
+          <a:lnRef idx="2">
+            <a:schemeClr val="accent6"/>
+          </a:lnRef>
+          <a:fillRef idx="1">
+            <a:schemeClr val="lt1"/>
+          </a:fillRef>
+          <a:effectRef idx="0">
+            <a:schemeClr val="accent6"/>
+          </a:effectRef>
+          <a:fontRef idx="minor">
+            <a:schemeClr val="dk1"/>
+          </a:fontRef>
+        </p:style>
+        <p:txBody>
+          <a:bodyPr rtlCol="0" anchor="ctr"/>
+          <a:lstStyle/>
+          <a:p>
+            <a:pPr algn="ctr"/>
+            <a:r>
+              <a:rPr lang="en-IN" dirty="0"/>
+              <a:t>File System</a:t>
+            </a:r>
+          </a:p>
+        </p:txBody>
+      </p:sp>
+      <p:cxnSp>
+        <p:nvCxnSpPr>
+          <p:cNvPr id="16" name="Straight Connector 15">
+            <a:extLst>
+              <a:ext uri="{FF2B5EF4-FFF2-40B4-BE49-F238E27FC236}">
+                <a16:creationId xmlns:a16="http://schemas.microsoft.com/office/drawing/2014/main" id="{B025A65D-45CD-E301-70FF-C0F26ACBA6CC}"/>
+              </a:ext>
+            </a:extLst>
+          </p:cNvPr>
+          <p:cNvCxnSpPr>
+            <a:cxnSpLocks/>
+            <a:stCxn id="10" idx="2"/>
+            <a:endCxn id="6" idx="0"/>
+          </p:cNvCxnSpPr>
+          <p:nvPr/>
+        </p:nvCxnSpPr>
+        <p:spPr>
+          <a:xfrm>
+            <a:off x="1897225" y="1654628"/>
+            <a:ext cx="195" cy="3762732"/>
+          </a:xfrm>
+          <a:prstGeom prst="line">
+            <a:avLst/>
+          </a:prstGeom>
+        </p:spPr>
+        <p:style>
+          <a:lnRef idx="1">
+            <a:schemeClr val="dk1"/>
+          </a:lnRef>
+          <a:fillRef idx="0">
+            <a:schemeClr val="dk1"/>
+          </a:fillRef>
+          <a:effectRef idx="0">
+            <a:schemeClr val="dk1"/>
+          </a:effectRef>
+          <a:fontRef idx="minor">
+            <a:schemeClr val="tx1"/>
+          </a:fontRef>
+        </p:style>
+      </p:cxnSp>
+      <p:cxnSp>
+        <p:nvCxnSpPr>
+          <p:cNvPr id="17" name="Straight Connector 16">
+            <a:extLst>
+              <a:ext uri="{FF2B5EF4-FFF2-40B4-BE49-F238E27FC236}">
+                <a16:creationId xmlns:a16="http://schemas.microsoft.com/office/drawing/2014/main" id="{9329A665-6BB6-C482-D33F-62C6BE1E3B1E}"/>
+              </a:ext>
+            </a:extLst>
+          </p:cNvPr>
+          <p:cNvCxnSpPr>
+            <a:cxnSpLocks/>
+            <a:endCxn id="12" idx="0"/>
+          </p:cNvCxnSpPr>
+          <p:nvPr/>
+        </p:nvCxnSpPr>
+        <p:spPr>
+          <a:xfrm>
+            <a:off x="4182540" y="1645910"/>
+            <a:ext cx="11568" cy="3775337"/>
+          </a:xfrm>
+          <a:prstGeom prst="line">
+            <a:avLst/>
+          </a:prstGeom>
+        </p:spPr>
+        <p:style>
+          <a:lnRef idx="1">
+            <a:schemeClr val="dk1"/>
+          </a:lnRef>
+          <a:fillRef idx="0">
+            <a:schemeClr val="dk1"/>
+          </a:fillRef>
+          <a:effectRef idx="0">
+            <a:schemeClr val="dk1"/>
+          </a:effectRef>
+          <a:fontRef idx="minor">
+            <a:schemeClr val="tx1"/>
+          </a:fontRef>
+        </p:style>
+      </p:cxnSp>
+      <p:cxnSp>
+        <p:nvCxnSpPr>
+          <p:cNvPr id="18" name="Straight Connector 17">
+            <a:extLst>
+              <a:ext uri="{FF2B5EF4-FFF2-40B4-BE49-F238E27FC236}">
+                <a16:creationId xmlns:a16="http://schemas.microsoft.com/office/drawing/2014/main" id="{D508CD0D-2467-AA33-2F6D-57BC34079A13}"/>
+              </a:ext>
+            </a:extLst>
+          </p:cNvPr>
+          <p:cNvCxnSpPr>
+            <a:cxnSpLocks/>
+            <a:endCxn id="13" idx="0"/>
+          </p:cNvCxnSpPr>
+          <p:nvPr/>
+        </p:nvCxnSpPr>
+        <p:spPr>
+          <a:xfrm flipH="1">
+            <a:off x="7217228" y="1650739"/>
+            <a:ext cx="1750" cy="3766620"/>
+          </a:xfrm>
+          <a:prstGeom prst="line">
+            <a:avLst/>
+          </a:prstGeom>
+        </p:spPr>
+        <p:style>
+          <a:lnRef idx="1">
+            <a:schemeClr val="dk1"/>
+          </a:lnRef>
+          <a:fillRef idx="0">
+            <a:schemeClr val="dk1"/>
+          </a:fillRef>
+          <a:effectRef idx="0">
+            <a:schemeClr val="dk1"/>
+          </a:effectRef>
+          <a:fontRef idx="minor">
+            <a:schemeClr val="tx1"/>
+          </a:fontRef>
+        </p:style>
+      </p:cxnSp>
+      <p:cxnSp>
+        <p:nvCxnSpPr>
+          <p:cNvPr id="19" name="Straight Connector 18">
+            <a:extLst>
+              <a:ext uri="{FF2B5EF4-FFF2-40B4-BE49-F238E27FC236}">
+                <a16:creationId xmlns:a16="http://schemas.microsoft.com/office/drawing/2014/main" id="{6D14AAD8-27DF-4C0E-E7A8-441232D2FB7C}"/>
+              </a:ext>
+            </a:extLst>
+          </p:cNvPr>
+          <p:cNvCxnSpPr>
+            <a:cxnSpLocks/>
+            <a:endCxn id="14" idx="0"/>
+          </p:cNvCxnSpPr>
+          <p:nvPr/>
+        </p:nvCxnSpPr>
+        <p:spPr>
+          <a:xfrm flipH="1">
+            <a:off x="10416851" y="1650739"/>
+            <a:ext cx="1750" cy="3755472"/>
+          </a:xfrm>
+          <a:prstGeom prst="line">
+            <a:avLst/>
+          </a:prstGeom>
+        </p:spPr>
+        <p:style>
+          <a:lnRef idx="1">
+            <a:schemeClr val="dk1"/>
+          </a:lnRef>
+          <a:fillRef idx="0">
+            <a:schemeClr val="dk1"/>
+          </a:fillRef>
+          <a:effectRef idx="0">
+            <a:schemeClr val="dk1"/>
+          </a:effectRef>
+          <a:fontRef idx="minor">
+            <a:schemeClr val="tx1"/>
+          </a:fontRef>
+        </p:style>
+      </p:cxnSp>
+      <p:cxnSp>
+        <p:nvCxnSpPr>
+          <p:cNvPr id="21" name="Straight Arrow Connector 20">
+            <a:extLst>
+              <a:ext uri="{FF2B5EF4-FFF2-40B4-BE49-F238E27FC236}">
+                <a16:creationId xmlns:a16="http://schemas.microsoft.com/office/drawing/2014/main" id="{BC21993D-0A05-CEAA-88CC-307BB93BE8C6}"/>
+              </a:ext>
+            </a:extLst>
+          </p:cNvPr>
+          <p:cNvCxnSpPr/>
+          <p:nvPr/>
+        </p:nvCxnSpPr>
+        <p:spPr>
+          <a:xfrm>
+            <a:off x="1897225" y="2228850"/>
+            <a:ext cx="2291733" cy="0"/>
+          </a:xfrm>
+          <a:prstGeom prst="straightConnector1">
+            <a:avLst/>
+          </a:prstGeom>
+          <a:ln>
+            <a:tailEnd type="triangle"/>
+          </a:ln>
+        </p:spPr>
+        <p:style>
+          <a:lnRef idx="1">
+            <a:schemeClr val="dk1"/>
+          </a:lnRef>
+          <a:fillRef idx="0">
+            <a:schemeClr val="dk1"/>
+          </a:fillRef>
+          <a:effectRef idx="0">
+            <a:schemeClr val="dk1"/>
+          </a:effectRef>
+          <a:fontRef idx="minor">
+            <a:schemeClr val="tx1"/>
+          </a:fontRef>
+        </p:style>
+      </p:cxnSp>
+      <p:cxnSp>
+        <p:nvCxnSpPr>
+          <p:cNvPr id="23" name="Straight Arrow Connector 22">
+            <a:extLst>
+              <a:ext uri="{FF2B5EF4-FFF2-40B4-BE49-F238E27FC236}">
+                <a16:creationId xmlns:a16="http://schemas.microsoft.com/office/drawing/2014/main" id="{6DBB2500-C398-9703-CFB6-BE4D3DFE4759}"/>
+              </a:ext>
+            </a:extLst>
+          </p:cNvPr>
+          <p:cNvCxnSpPr/>
+          <p:nvPr/>
+        </p:nvCxnSpPr>
+        <p:spPr>
+          <a:xfrm>
+            <a:off x="1897225" y="2771775"/>
+            <a:ext cx="5320003" cy="0"/>
+          </a:xfrm>
+          <a:prstGeom prst="straightConnector1">
+            <a:avLst/>
+          </a:prstGeom>
+          <a:ln>
+            <a:tailEnd type="triangle"/>
+          </a:ln>
+        </p:spPr>
+        <p:style>
+          <a:lnRef idx="1">
+            <a:schemeClr val="dk1"/>
+          </a:lnRef>
+          <a:fillRef idx="0">
+            <a:schemeClr val="dk1"/>
+          </a:fillRef>
+          <a:effectRef idx="0">
+            <a:schemeClr val="dk1"/>
+          </a:effectRef>
+          <a:fontRef idx="minor">
+            <a:schemeClr val="tx1"/>
+          </a:fontRef>
+        </p:style>
+      </p:cxnSp>
+      <p:cxnSp>
+        <p:nvCxnSpPr>
+          <p:cNvPr id="25" name="Straight Arrow Connector 24">
+            <a:extLst>
+              <a:ext uri="{FF2B5EF4-FFF2-40B4-BE49-F238E27FC236}">
+                <a16:creationId xmlns:a16="http://schemas.microsoft.com/office/drawing/2014/main" id="{0D926A74-4EE1-76EE-F6CA-9A999339128B}"/>
+              </a:ext>
+            </a:extLst>
+          </p:cNvPr>
+          <p:cNvCxnSpPr/>
+          <p:nvPr/>
+        </p:nvCxnSpPr>
+        <p:spPr>
+          <a:xfrm flipV="1">
+            <a:off x="4188958" y="3362325"/>
+            <a:ext cx="6227893" cy="66675"/>
+          </a:xfrm>
+          <a:prstGeom prst="straightConnector1">
+            <a:avLst/>
+          </a:prstGeom>
+          <a:ln>
+            <a:tailEnd type="triangle"/>
+          </a:ln>
+        </p:spPr>
+        <p:style>
+          <a:lnRef idx="1">
+            <a:schemeClr val="dk1"/>
+          </a:lnRef>
+          <a:fillRef idx="0">
+            <a:schemeClr val="dk1"/>
+          </a:fillRef>
+          <a:effectRef idx="0">
+            <a:schemeClr val="dk1"/>
+          </a:effectRef>
+          <a:fontRef idx="minor">
+            <a:schemeClr val="tx1"/>
+          </a:fontRef>
+        </p:style>
+      </p:cxnSp>
+      <p:cxnSp>
+        <p:nvCxnSpPr>
+          <p:cNvPr id="27" name="Straight Arrow Connector 26">
+            <a:extLst>
+              <a:ext uri="{FF2B5EF4-FFF2-40B4-BE49-F238E27FC236}">
+                <a16:creationId xmlns:a16="http://schemas.microsoft.com/office/drawing/2014/main" id="{844479AA-150C-B3CD-E0BD-EF6EF0FD616A}"/>
+              </a:ext>
+            </a:extLst>
+          </p:cNvPr>
+          <p:cNvCxnSpPr>
+            <a:cxnSpLocks/>
+          </p:cNvCxnSpPr>
+          <p:nvPr/>
+        </p:nvCxnSpPr>
+        <p:spPr>
+          <a:xfrm>
+            <a:off x="7217228" y="3714750"/>
+            <a:ext cx="3199623" cy="0"/>
+          </a:xfrm>
+          <a:prstGeom prst="straightConnector1">
+            <a:avLst/>
+          </a:prstGeom>
+          <a:ln>
+            <a:tailEnd type="triangle"/>
+          </a:ln>
+        </p:spPr>
+        <p:style>
+          <a:lnRef idx="1">
+            <a:schemeClr val="dk1"/>
+          </a:lnRef>
+          <a:fillRef idx="0">
+            <a:schemeClr val="dk1"/>
+          </a:fillRef>
+          <a:effectRef idx="0">
+            <a:schemeClr val="dk1"/>
+          </a:effectRef>
+          <a:fontRef idx="minor">
+            <a:schemeClr val="tx1"/>
+          </a:fontRef>
+        </p:style>
+      </p:cxnSp>
+      <p:cxnSp>
+        <p:nvCxnSpPr>
+          <p:cNvPr id="31" name="Straight Arrow Connector 30">
+            <a:extLst>
+              <a:ext uri="{FF2B5EF4-FFF2-40B4-BE49-F238E27FC236}">
+                <a16:creationId xmlns:a16="http://schemas.microsoft.com/office/drawing/2014/main" id="{3480D5E3-D7AA-0900-55C7-0FEF6E52AB3A}"/>
+              </a:ext>
+            </a:extLst>
+          </p:cNvPr>
+          <p:cNvCxnSpPr>
+            <a:cxnSpLocks/>
+          </p:cNvCxnSpPr>
+          <p:nvPr/>
+        </p:nvCxnSpPr>
+        <p:spPr>
+          <a:xfrm flipH="1">
+            <a:off x="7217228" y="4019550"/>
+            <a:ext cx="3199623" cy="0"/>
+          </a:xfrm>
+          <a:prstGeom prst="straightConnector1">
+            <a:avLst/>
+          </a:prstGeom>
+          <a:ln>
+            <a:tailEnd type="triangle"/>
+          </a:ln>
+        </p:spPr>
+        <p:style>
+          <a:lnRef idx="1">
+            <a:schemeClr val="dk1"/>
+          </a:lnRef>
+          <a:fillRef idx="0">
+            <a:schemeClr val="dk1"/>
+          </a:fillRef>
+          <a:effectRef idx="0">
+            <a:schemeClr val="dk1"/>
+          </a:effectRef>
+          <a:fontRef idx="minor">
+            <a:schemeClr val="tx1"/>
+          </a:fontRef>
+        </p:style>
+      </p:cxnSp>
+      <p:cxnSp>
+        <p:nvCxnSpPr>
+          <p:cNvPr id="41" name="Straight Arrow Connector 40">
+            <a:extLst>
+              <a:ext uri="{FF2B5EF4-FFF2-40B4-BE49-F238E27FC236}">
+                <a16:creationId xmlns:a16="http://schemas.microsoft.com/office/drawing/2014/main" id="{6AE5C38D-C399-55B0-6374-2AC7A8B8DFD4}"/>
+              </a:ext>
+            </a:extLst>
+          </p:cNvPr>
+          <p:cNvCxnSpPr>
+            <a:cxnSpLocks/>
+          </p:cNvCxnSpPr>
+          <p:nvPr/>
+        </p:nvCxnSpPr>
+        <p:spPr>
+          <a:xfrm flipH="1">
+            <a:off x="7217228" y="4378159"/>
+            <a:ext cx="3199623" cy="0"/>
+          </a:xfrm>
+          <a:prstGeom prst="straightConnector1">
+            <a:avLst/>
+          </a:prstGeom>
+          <a:ln>
+            <a:tailEnd type="triangle"/>
+          </a:ln>
+        </p:spPr>
+        <p:style>
+          <a:lnRef idx="1">
+            <a:schemeClr val="dk1"/>
+          </a:lnRef>
+          <a:fillRef idx="0">
+            <a:schemeClr val="dk1"/>
+          </a:fillRef>
+          <a:effectRef idx="0">
+            <a:schemeClr val="dk1"/>
+          </a:effectRef>
+          <a:fontRef idx="minor">
+            <a:schemeClr val="tx1"/>
+          </a:fontRef>
+        </p:style>
+      </p:cxnSp>
+      <p:cxnSp>
+        <p:nvCxnSpPr>
+          <p:cNvPr id="47" name="Straight Arrow Connector 46">
+            <a:extLst>
+              <a:ext uri="{FF2B5EF4-FFF2-40B4-BE49-F238E27FC236}">
+                <a16:creationId xmlns:a16="http://schemas.microsoft.com/office/drawing/2014/main" id="{52E8AD3F-23B4-5D72-5B6A-367CDAD1013C}"/>
+              </a:ext>
+            </a:extLst>
+          </p:cNvPr>
+          <p:cNvCxnSpPr>
+            <a:cxnSpLocks/>
+          </p:cNvCxnSpPr>
+          <p:nvPr/>
+        </p:nvCxnSpPr>
+        <p:spPr>
+          <a:xfrm flipH="1">
+            <a:off x="7217228" y="4838700"/>
+            <a:ext cx="3199623" cy="0"/>
+          </a:xfrm>
+          <a:prstGeom prst="straightConnector1">
+            <a:avLst/>
+          </a:prstGeom>
+          <a:ln>
+            <a:tailEnd type="triangle"/>
+          </a:ln>
+        </p:spPr>
+        <p:style>
+          <a:lnRef idx="1">
+            <a:schemeClr val="dk1"/>
+          </a:lnRef>
+          <a:fillRef idx="0">
+            <a:schemeClr val="dk1"/>
+          </a:fillRef>
+          <a:effectRef idx="0">
+            <a:schemeClr val="dk1"/>
+          </a:effectRef>
+          <a:fontRef idx="minor">
+            <a:schemeClr val="tx1"/>
+          </a:fontRef>
+        </p:style>
+      </p:cxnSp>
+      <p:sp>
+        <p:nvSpPr>
+          <p:cNvPr id="49" name="TextBox 48">
+            <a:extLst>
+              <a:ext uri="{FF2B5EF4-FFF2-40B4-BE49-F238E27FC236}">
+                <a16:creationId xmlns:a16="http://schemas.microsoft.com/office/drawing/2014/main" id="{3E2721CB-A404-94AA-5157-153762194B77}"/>
+              </a:ext>
+            </a:extLst>
+          </p:cNvPr>
+          <p:cNvSpPr txBox="1"/>
+          <p:nvPr/>
+        </p:nvSpPr>
+        <p:spPr>
+          <a:xfrm>
+            <a:off x="2076450" y="1847851"/>
+            <a:ext cx="1780785" cy="377112"/>
+          </a:xfrm>
+          <a:prstGeom prst="rect">
+            <a:avLst/>
+          </a:prstGeom>
+          <a:noFill/>
+        </p:spPr>
+        <p:txBody>
+          <a:bodyPr wrap="square" rtlCol="0">
+            <a:spAutoFit/>
+          </a:bodyPr>
+          <a:lstStyle/>
+          <a:p>
+            <a:r>
+              <a:rPr lang="en-IN" dirty="0"/>
+              <a:t>Upload dataset</a:t>
+            </a:r>
+          </a:p>
+        </p:txBody>
+      </p:sp>
+      <p:sp>
+        <p:nvSpPr>
+          <p:cNvPr id="50" name="TextBox 49">
+            <a:extLst>
+              <a:ext uri="{FF2B5EF4-FFF2-40B4-BE49-F238E27FC236}">
+                <a16:creationId xmlns:a16="http://schemas.microsoft.com/office/drawing/2014/main" id="{5E2985C4-A546-BF43-BACD-90926C315413}"/>
+              </a:ext>
+            </a:extLst>
+          </p:cNvPr>
+          <p:cNvSpPr txBox="1"/>
+          <p:nvPr/>
+        </p:nvSpPr>
+        <p:spPr>
+          <a:xfrm>
+            <a:off x="2324100" y="2413167"/>
+            <a:ext cx="4423875" cy="369332"/>
+          </a:xfrm>
+          <a:prstGeom prst="rect">
+            <a:avLst/>
+          </a:prstGeom>
+          <a:noFill/>
+        </p:spPr>
+        <p:txBody>
+          <a:bodyPr wrap="square" rtlCol="0">
+            <a:spAutoFit/>
+          </a:bodyPr>
+          <a:lstStyle/>
+          <a:p>
+            <a:r>
+              <a:rPr lang="en-IN" dirty="0"/>
+              <a:t>Perform preprocessing-(null </a:t>
+            </a:r>
+            <a:r>
+              <a:rPr lang="en-IN" dirty="0" err="1"/>
+              <a:t>handling,etc</a:t>
+            </a:r>
+            <a:r>
+              <a:rPr lang="en-IN" dirty="0"/>
+              <a:t>.)</a:t>
+            </a:r>
+          </a:p>
+        </p:txBody>
+      </p:sp>
+      <p:sp>
+        <p:nvSpPr>
+          <p:cNvPr id="51" name="TextBox 50">
+            <a:extLst>
+              <a:ext uri="{FF2B5EF4-FFF2-40B4-BE49-F238E27FC236}">
+                <a16:creationId xmlns:a16="http://schemas.microsoft.com/office/drawing/2014/main" id="{C7812AC7-6B71-2FC4-D408-FF0293A0F6E8}"/>
+              </a:ext>
+            </a:extLst>
+          </p:cNvPr>
+          <p:cNvSpPr txBox="1"/>
+          <p:nvPr/>
+        </p:nvSpPr>
+        <p:spPr>
+          <a:xfrm>
+            <a:off x="5047858" y="3003717"/>
+            <a:ext cx="4796517" cy="369332"/>
+          </a:xfrm>
+          <a:prstGeom prst="rect">
+            <a:avLst/>
+          </a:prstGeom>
+          <a:noFill/>
+        </p:spPr>
+        <p:txBody>
+          <a:bodyPr wrap="square" rtlCol="0">
+            <a:spAutoFit/>
+          </a:bodyPr>
+          <a:lstStyle/>
+          <a:p>
+            <a:r>
+              <a:rPr lang="en-IN" dirty="0"/>
+              <a:t>Perform data ingestion-data </a:t>
+            </a:r>
+            <a:r>
+              <a:rPr lang="en-IN" dirty="0" err="1"/>
+              <a:t>cleaning,splitting</a:t>
+            </a:r>
+            <a:endParaRPr lang="en-IN" dirty="0"/>
+          </a:p>
+        </p:txBody>
+      </p:sp>
+      <p:sp>
+        <p:nvSpPr>
+          <p:cNvPr id="52" name="TextBox 51">
+            <a:extLst>
+              <a:ext uri="{FF2B5EF4-FFF2-40B4-BE49-F238E27FC236}">
+                <a16:creationId xmlns:a16="http://schemas.microsoft.com/office/drawing/2014/main" id="{823E7345-FB29-317A-9E39-A77E0F9E90F7}"/>
+              </a:ext>
+            </a:extLst>
+          </p:cNvPr>
+          <p:cNvSpPr txBox="1"/>
+          <p:nvPr/>
+        </p:nvSpPr>
+        <p:spPr>
+          <a:xfrm rot="10800000" flipV="1">
+            <a:off x="8024915" y="3435156"/>
+            <a:ext cx="2006749" cy="369332"/>
+          </a:xfrm>
+          <a:prstGeom prst="rect">
+            <a:avLst/>
+          </a:prstGeom>
+          <a:noFill/>
+        </p:spPr>
+        <p:txBody>
+          <a:bodyPr wrap="square" rtlCol="0">
+            <a:spAutoFit/>
+          </a:bodyPr>
+          <a:lstStyle/>
+          <a:p>
+            <a:r>
+              <a:rPr lang="en-IN" dirty="0"/>
+              <a:t>Choose ML task</a:t>
+            </a:r>
+          </a:p>
+        </p:txBody>
+      </p:sp>
+      <p:sp>
+        <p:nvSpPr>
+          <p:cNvPr id="53" name="TextBox 52">
+            <a:extLst>
+              <a:ext uri="{FF2B5EF4-FFF2-40B4-BE49-F238E27FC236}">
+                <a16:creationId xmlns:a16="http://schemas.microsoft.com/office/drawing/2014/main" id="{2F269C5A-4934-33B6-D875-24D97260E8F4}"/>
+              </a:ext>
+            </a:extLst>
+          </p:cNvPr>
+          <p:cNvSpPr txBox="1"/>
+          <p:nvPr/>
+        </p:nvSpPr>
+        <p:spPr>
+          <a:xfrm rot="10800000" flipV="1">
+            <a:off x="7999709" y="3744870"/>
+            <a:ext cx="2225866" cy="369332"/>
+          </a:xfrm>
+          <a:prstGeom prst="rect">
+            <a:avLst/>
+          </a:prstGeom>
+          <a:noFill/>
+        </p:spPr>
+        <p:txBody>
+          <a:bodyPr wrap="square" rtlCol="0">
+            <a:spAutoFit/>
+          </a:bodyPr>
+          <a:lstStyle/>
+          <a:p>
+            <a:r>
+              <a:rPr lang="en-IN" dirty="0"/>
+              <a:t>Run model selection</a:t>
+            </a:r>
+          </a:p>
+        </p:txBody>
+      </p:sp>
+      <p:sp>
+        <p:nvSpPr>
+          <p:cNvPr id="54" name="TextBox 53">
+            <a:extLst>
+              <a:ext uri="{FF2B5EF4-FFF2-40B4-BE49-F238E27FC236}">
+                <a16:creationId xmlns:a16="http://schemas.microsoft.com/office/drawing/2014/main" id="{9A6CBF14-C1A8-35C3-CAD9-2C4D31D6B44A}"/>
+              </a:ext>
+            </a:extLst>
+          </p:cNvPr>
+          <p:cNvSpPr txBox="1"/>
+          <p:nvPr/>
+        </p:nvSpPr>
+        <p:spPr>
+          <a:xfrm>
+            <a:off x="8191500" y="4083733"/>
+            <a:ext cx="1477925" cy="369332"/>
+          </a:xfrm>
+          <a:prstGeom prst="rect">
+            <a:avLst/>
+          </a:prstGeom>
+          <a:noFill/>
+        </p:spPr>
+        <p:txBody>
+          <a:bodyPr wrap="square" rtlCol="0">
+            <a:spAutoFit/>
+          </a:bodyPr>
+          <a:lstStyle/>
+          <a:p>
+            <a:r>
+              <a:rPr lang="en-IN" dirty="0"/>
+              <a:t>Show results</a:t>
+            </a:r>
+          </a:p>
+        </p:txBody>
+      </p:sp>
+      <p:sp>
+        <p:nvSpPr>
+          <p:cNvPr id="55" name="TextBox 54">
+            <a:extLst>
+              <a:ext uri="{FF2B5EF4-FFF2-40B4-BE49-F238E27FC236}">
+                <a16:creationId xmlns:a16="http://schemas.microsoft.com/office/drawing/2014/main" id="{D0067A3B-A1A4-BD76-A253-5FA98BDB99F5}"/>
+              </a:ext>
+            </a:extLst>
+          </p:cNvPr>
+          <p:cNvSpPr txBox="1"/>
+          <p:nvPr/>
+        </p:nvSpPr>
+        <p:spPr>
+          <a:xfrm rot="10800000" flipV="1">
+            <a:off x="7966404" y="4528428"/>
+            <a:ext cx="2072496" cy="369332"/>
+          </a:xfrm>
+          <a:prstGeom prst="rect">
+            <a:avLst/>
+          </a:prstGeom>
+          <a:noFill/>
+        </p:spPr>
+        <p:txBody>
+          <a:bodyPr wrap="square" rtlCol="0">
+            <a:spAutoFit/>
+          </a:bodyPr>
+          <a:lstStyle/>
+          <a:p>
+            <a:r>
+              <a:rPr lang="en-IN" dirty="0"/>
+              <a:t>Download results</a:t>
+            </a:r>
+          </a:p>
+        </p:txBody>
+      </p:sp>
+    </p:spTree>
+    <p:extLst>
+      <p:ext uri="{BB962C8B-B14F-4D97-AF65-F5344CB8AC3E}">
+        <p14:creationId xmlns:p14="http://schemas.microsoft.com/office/powerpoint/2010/main" val="3347833306"/>
+      </p:ext>
+    </p:extLst>
+  </p:cSld>
+  <p:clrMapOvr>
+    <a:masterClrMapping/>
+  </p:clrMapOvr>
+</p:sld>
+</file>
+
+<file path=ppt/slides/slide8.xml><?xml version="1.0" encoding="utf-8"?>
+<p:sld xmlns:a="http://schemas.openxmlformats.org/drawingml/2006/main" xmlns:r="http://schemas.openxmlformats.org/officeDocument/2006/relationships" xmlns:p="http://schemas.openxmlformats.org/presentationml/2006/main">
+  <p:cSld>
+    <p:spTree>
+      <p:nvGrpSpPr>
+        <p:cNvPr id="1" name=""/>
+        <p:cNvGrpSpPr/>
+        <p:nvPr/>
+      </p:nvGrpSpPr>
+      <p:grpSpPr>
+        <a:xfrm>
+          <a:off x="0" y="0"/>
+          <a:ext cx="0" cy="0"/>
+          <a:chOff x="0" y="0"/>
+          <a:chExt cx="0" cy="0"/>
+        </a:xfrm>
+      </p:grpSpPr>
+      <p:sp>
+        <p:nvSpPr>
+          <p:cNvPr id="2" name="Title 1">
+            <a:extLst>
+              <a:ext uri="{FF2B5EF4-FFF2-40B4-BE49-F238E27FC236}">
+                <a16:creationId xmlns:a16="http://schemas.microsoft.com/office/drawing/2014/main" id="{521A5EB2-FF21-33CC-78BB-66F2AF0EDA0D}"/>
+              </a:ext>
+            </a:extLst>
+          </p:cNvPr>
+          <p:cNvSpPr>
+            <a:spLocks noGrp="1"/>
+          </p:cNvSpPr>
+          <p:nvPr>
+            <p:ph type="title"/>
+          </p:nvPr>
+        </p:nvSpPr>
+        <p:spPr>
+          <a:xfrm>
+            <a:off x="335902" y="206506"/>
+            <a:ext cx="11430000" cy="549274"/>
+          </a:xfrm>
+        </p:spPr>
+        <p:txBody>
+          <a:bodyPr>
+            <a:normAutofit/>
+          </a:bodyPr>
+          <a:lstStyle/>
+          <a:p>
+            <a:r>
+              <a:rPr lang="en-IN" sz="3200" dirty="0">
+                <a:latin typeface="Times New Roman" panose="02020603050405020304" pitchFamily="18" charset="0"/>
+                <a:cs typeface="Times New Roman" panose="02020603050405020304" pitchFamily="18" charset="0"/>
+              </a:rPr>
+              <a:t>Class Diagram</a:t>
+            </a:r>
+          </a:p>
+        </p:txBody>
+      </p:sp>
+      <p:pic>
+        <p:nvPicPr>
+          <p:cNvPr id="4" name="Picture 3">
+            <a:extLst>
+              <a:ext uri="{FF2B5EF4-FFF2-40B4-BE49-F238E27FC236}">
+                <a16:creationId xmlns:a16="http://schemas.microsoft.com/office/drawing/2014/main" id="{E6DDD82D-3A6B-AC6E-4EF4-9AAABFDFB432}"/>
+              </a:ext>
+            </a:extLst>
+          </p:cNvPr>
+          <p:cNvPicPr>
+            <a:picLocks noChangeAspect="1"/>
+          </p:cNvPicPr>
+          <p:nvPr/>
+        </p:nvPicPr>
+        <p:blipFill>
+          <a:blip r:embed="rId2">
+            <a:extLst>
+              <a:ext uri="{28A0092B-C50C-407E-A947-70E740481C1C}">
+                <a14:useLocalDpi xmlns:a14="http://schemas.microsoft.com/office/drawing/2010/main" val="0"/>
+              </a:ext>
+            </a:extLst>
+          </a:blip>
+          <a:stretch>
+            <a:fillRect/>
+          </a:stretch>
+        </p:blipFill>
+        <p:spPr>
+          <a:xfrm>
+            <a:off x="2123833" y="867747"/>
+            <a:ext cx="7944334" cy="5411756"/>
+          </a:xfrm>
+          <a:prstGeom prst="rect">
+            <a:avLst/>
+          </a:prstGeom>
+        </p:spPr>
+      </p:pic>
+    </p:spTree>
+    <p:extLst>
+      <p:ext uri="{BB962C8B-B14F-4D97-AF65-F5344CB8AC3E}">
+        <p14:creationId xmlns:p14="http://schemas.microsoft.com/office/powerpoint/2010/main" val="4154467401"/>
+      </p:ext>
+    </p:extLst>
+  </p:cSld>
+  <p:clrMapOvr>
+    <a:masterClrMapping/>
+  </p:clrMapOvr>
+</p:sld>
+</file>
+
+<file path=ppt/slides/slide9.xml><?xml version="1.0" encoding="utf-8"?>
+<p:sld xmlns:a="http://schemas.openxmlformats.org/drawingml/2006/main" xmlns:r="http://schemas.openxmlformats.org/officeDocument/2006/relationships" xmlns:p="http://schemas.openxmlformats.org/presentationml/2006/main">
+  <p:cSld>
+    <p:spTree>
+      <p:nvGrpSpPr>
+        <p:cNvPr id="1" name=""/>
+        <p:cNvGrpSpPr/>
+        <p:nvPr/>
+      </p:nvGrpSpPr>
+      <p:grpSpPr>
+        <a:xfrm>
+          <a:off x="0" y="0"/>
+          <a:ext cx="0" cy="0"/>
+          <a:chOff x="0" y="0"/>
+          <a:chExt cx="0" cy="0"/>
+        </a:xfrm>
+      </p:grpSpPr>
+      <p:sp>
+        <p:nvSpPr>
+          <p:cNvPr id="2" name="Title 1">
+            <a:extLst>
+              <a:ext uri="{FF2B5EF4-FFF2-40B4-BE49-F238E27FC236}">
+                <a16:creationId xmlns:a16="http://schemas.microsoft.com/office/drawing/2014/main" id="{D49EADBB-AFE4-1988-0E80-B3E24C0166FD}"/>
+              </a:ext>
+            </a:extLst>
+          </p:cNvPr>
+          <p:cNvSpPr>
+            <a:spLocks noGrp="1"/>
+          </p:cNvSpPr>
+          <p:nvPr>
+            <p:ph type="title"/>
+          </p:nvPr>
+        </p:nvSpPr>
+        <p:spPr>
+          <a:xfrm>
+            <a:off x="447869" y="365125"/>
+            <a:ext cx="11429999" cy="521283"/>
+          </a:xfrm>
+        </p:spPr>
+        <p:txBody>
+          <a:bodyPr>
+            <a:normAutofit fontScale="90000"/>
+          </a:bodyPr>
+          <a:lstStyle/>
+          <a:p>
+            <a:r>
+              <a:rPr lang="en-IN" sz="3200" dirty="0">
+                <a:latin typeface="Times New Roman" panose="02020603050405020304" pitchFamily="18" charset="0"/>
+                <a:cs typeface="Times New Roman" panose="02020603050405020304" pitchFamily="18" charset="0"/>
+              </a:rPr>
+              <a:t>Activity Diagram</a:t>
+            </a:r>
+          </a:p>
+        </p:txBody>
+      </p:sp>
+    </p:spTree>
+    <p:extLst>
+      <p:ext uri="{BB962C8B-B14F-4D97-AF65-F5344CB8AC3E}">
+        <p14:creationId xmlns:p14="http://schemas.microsoft.com/office/powerpoint/2010/main" val="3353824283"/>
       </p:ext>
     </p:extLst>
   </p:cSld>
